--- a/作業報告.pptx
+++ b/作業報告.pptx
@@ -1084,7 +1084,7 @@
         <a:p>
           <a:pPr rtl="0"/>
           <a:r>
-            <a:rPr lang="zh-TW" altLang="en-US" noProof="0" dirty="0" smtClean="0">
+            <a:rPr lang="zh-TW" altLang="en-US" noProof="0" dirty="0">
               <a:latin typeface="Microsoft JhengHei UI" panose="020B0604030504040204" pitchFamily="34" charset="-120"/>
               <a:ea typeface="Microsoft JhengHei UI" panose="020B0604030504040204" pitchFamily="34" charset="-120"/>
             </a:rPr>
@@ -1143,16 +1143,12 @@
         <a:p>
           <a:pPr rtl="0"/>
           <a:r>
-            <a:rPr lang="zh-TW" altLang="en-US" b="1" noProof="0" dirty="0" smtClean="0">
+            <a:rPr lang="zh-TW" altLang="en-US" b="1" noProof="0" dirty="0">
               <a:latin typeface="Microsoft JhengHei UI" panose="020B0604030504040204" pitchFamily="34" charset="-120"/>
               <a:ea typeface="Microsoft JhengHei UI" panose="020B0604030504040204" pitchFamily="34" charset="-120"/>
             </a:rPr>
             <a:t>跳球遊戲</a:t>
           </a:r>
-          <a:endParaRPr lang="zh-TW" altLang="en-US" b="1" noProof="0" dirty="0">
-            <a:latin typeface="Microsoft JhengHei UI" panose="020B0604030504040204" pitchFamily="34" charset="-120"/>
-            <a:ea typeface="Microsoft JhengHei UI" panose="020B0604030504040204" pitchFamily="34" charset="-120"/>
-          </a:endParaRPr>
         </a:p>
       </dgm:t>
     </dgm:pt>
@@ -1195,14 +1191,14 @@
         <a:p>
           <a:pPr rtl="0"/>
           <a:r>
-            <a:rPr lang="zh-TW" altLang="en-US" noProof="0" dirty="0" smtClean="0">
+            <a:rPr lang="zh-TW" altLang="en-US" noProof="0" dirty="0">
               <a:latin typeface="Microsoft JhengHei UI" panose="020B0604030504040204" pitchFamily="34" charset="-120"/>
               <a:ea typeface="Microsoft JhengHei UI" panose="020B0604030504040204" pitchFamily="34" charset="-120"/>
             </a:rPr>
             <a:t>遊戲 </a:t>
           </a:r>
           <a:r>
-            <a:rPr lang="en-US" altLang="zh-TW" noProof="0" dirty="0" smtClean="0">
+            <a:rPr lang="en-US" altLang="zh-TW" noProof="0" dirty="0">
               <a:latin typeface="Microsoft JhengHei UI" panose="020B0604030504040204" pitchFamily="34" charset="-120"/>
               <a:ea typeface="Microsoft JhengHei UI" panose="020B0604030504040204" pitchFamily="34" charset="-120"/>
             </a:rPr>
@@ -1254,16 +1250,12 @@
         <a:p>
           <a:pPr rtl="0"/>
           <a:r>
-            <a:rPr lang="zh-TW" altLang="en-US" b="1" noProof="0" dirty="0" smtClean="0">
+            <a:rPr lang="zh-TW" altLang="en-US" b="1" noProof="0" dirty="0">
               <a:latin typeface="Microsoft JhengHei UI" panose="020B0604030504040204" pitchFamily="34" charset="-120"/>
               <a:ea typeface="Microsoft JhengHei UI" panose="020B0604030504040204" pitchFamily="34" charset="-120"/>
             </a:rPr>
             <a:t>猜猜數字</a:t>
           </a:r>
-          <a:endParaRPr lang="zh-TW" altLang="en-US" b="1" noProof="0" dirty="0">
-            <a:latin typeface="Microsoft JhengHei UI" panose="020B0604030504040204" pitchFamily="34" charset="-120"/>
-            <a:ea typeface="Microsoft JhengHei UI" panose="020B0604030504040204" pitchFamily="34" charset="-120"/>
-          </a:endParaRPr>
         </a:p>
       </dgm:t>
     </dgm:pt>
@@ -1306,7 +1298,7 @@
         <a:p>
           <a:pPr rtl="0"/>
           <a:r>
-            <a:rPr lang="zh-TW" altLang="en-US" noProof="0" dirty="0" smtClean="0">
+            <a:rPr lang="zh-TW" altLang="en-US" noProof="0" dirty="0">
               <a:latin typeface="Microsoft JhengHei UI" panose="020B0604030504040204" pitchFamily="34" charset="-120"/>
               <a:ea typeface="Microsoft JhengHei UI" panose="020B0604030504040204" pitchFamily="34" charset="-120"/>
             </a:rPr>
@@ -1365,16 +1357,12 @@
         <a:p>
           <a:pPr rtl="0"/>
           <a:r>
-            <a:rPr lang="zh-TW" altLang="en-US" b="1" noProof="0" dirty="0" smtClean="0">
+            <a:rPr lang="zh-TW" altLang="en-US" b="1" noProof="0" dirty="0">
               <a:latin typeface="Microsoft JhengHei UI" panose="020B0604030504040204" pitchFamily="34" charset="-120"/>
               <a:ea typeface="Microsoft JhengHei UI" panose="020B0604030504040204" pitchFamily="34" charset="-120"/>
             </a:rPr>
             <a:t>來走迷宮</a:t>
           </a:r>
-          <a:endParaRPr lang="zh-TW" altLang="en-US" b="1" noProof="0" dirty="0">
-            <a:latin typeface="Microsoft JhengHei UI" panose="020B0604030504040204" pitchFamily="34" charset="-120"/>
-            <a:ea typeface="Microsoft JhengHei UI" panose="020B0604030504040204" pitchFamily="34" charset="-120"/>
-          </a:endParaRPr>
         </a:p>
       </dgm:t>
     </dgm:pt>
@@ -1417,13 +1405,6 @@
         </dgm:presLayoutVars>
       </dgm:prSet>
       <dgm:spPr/>
-      <dgm:t>
-        <a:bodyPr/>
-        <a:lstStyle/>
-        <a:p>
-          <a:endParaRPr lang="zh-TW" altLang="en-US"/>
-        </a:p>
-      </dgm:t>
     </dgm:pt>
     <dgm:pt modelId="{0E7F93D0-E3D1-48EE-9797-63EC830CCA06}" type="pres">
       <dgm:prSet presAssocID="{3B990DCB-AF23-4094-864B-C8B99FA30370}" presName="parenttextcomposite" presStyleCnt="0"/>
@@ -1438,13 +1419,6 @@
         </dgm:presLayoutVars>
       </dgm:prSet>
       <dgm:spPr/>
-      <dgm:t>
-        <a:bodyPr/>
-        <a:lstStyle/>
-        <a:p>
-          <a:endParaRPr lang="zh-TW" altLang="en-US"/>
-        </a:p>
-      </dgm:t>
     </dgm:pt>
     <dgm:pt modelId="{2A167B03-FCF6-480B-BD04-B18E95132E7F}" type="pres">
       <dgm:prSet presAssocID="{3B990DCB-AF23-4094-864B-C8B99FA30370}" presName="composite" presStyleCnt="0"/>
@@ -1487,13 +1461,6 @@
         </dgm:presLayoutVars>
       </dgm:prSet>
       <dgm:spPr/>
-      <dgm:t>
-        <a:bodyPr/>
-        <a:lstStyle/>
-        <a:p>
-          <a:endParaRPr lang="zh-TW" altLang="en-US"/>
-        </a:p>
-      </dgm:t>
     </dgm:pt>
     <dgm:pt modelId="{261D04E4-2B56-456D-ABEC-1649C35A46F4}" type="pres">
       <dgm:prSet presAssocID="{8F93B7AA-ADE0-44B8-AFDE-9A1375C16706}" presName="sibTrans" presStyleCnt="0"/>
@@ -1512,13 +1479,6 @@
         </dgm:presLayoutVars>
       </dgm:prSet>
       <dgm:spPr/>
-      <dgm:t>
-        <a:bodyPr/>
-        <a:lstStyle/>
-        <a:p>
-          <a:endParaRPr lang="zh-TW" altLang="en-US"/>
-        </a:p>
-      </dgm:t>
     </dgm:pt>
     <dgm:pt modelId="{D2BF8E40-6E6F-4455-8548-D54325D6BFF6}" type="pres">
       <dgm:prSet presAssocID="{240AA45F-7625-47CB-82DB-58CF98B59095}" presName="composite" presStyleCnt="0"/>
@@ -1561,13 +1521,6 @@
         </dgm:presLayoutVars>
       </dgm:prSet>
       <dgm:spPr/>
-      <dgm:t>
-        <a:bodyPr/>
-        <a:lstStyle/>
-        <a:p>
-          <a:endParaRPr lang="zh-TW" altLang="en-US"/>
-        </a:p>
-      </dgm:t>
     </dgm:pt>
     <dgm:pt modelId="{F8CD1F9F-F85D-4751-9FA4-FFFFD796FEA9}" type="pres">
       <dgm:prSet presAssocID="{A5F62957-BF38-47A2-B1D2-0D9C89C422D5}" presName="sibTrans" presStyleCnt="0"/>
@@ -1586,13 +1539,6 @@
         </dgm:presLayoutVars>
       </dgm:prSet>
       <dgm:spPr/>
-      <dgm:t>
-        <a:bodyPr/>
-        <a:lstStyle/>
-        <a:p>
-          <a:endParaRPr lang="zh-TW" altLang="en-US"/>
-        </a:p>
-      </dgm:t>
     </dgm:pt>
     <dgm:pt modelId="{7319F82F-7F09-4C2D-BBBD-4C83C12D619F}" type="pres">
       <dgm:prSet presAssocID="{E1AD1DBC-9B34-4672-B365-6C5C7E96A5E5}" presName="composite" presStyleCnt="0"/>
@@ -1635,29 +1581,22 @@
         </dgm:presLayoutVars>
       </dgm:prSet>
       <dgm:spPr/>
-      <dgm:t>
-        <a:bodyPr/>
-        <a:lstStyle/>
-        <a:p>
-          <a:endParaRPr lang="zh-TW" altLang="en-US"/>
-        </a:p>
-      </dgm:t>
     </dgm:pt>
   </dgm:ptLst>
   <dgm:cxnLst>
+    <dgm:cxn modelId="{D4C18627-C853-42E4-BB13-64F93E9AFD1B}" type="presOf" srcId="{E1AD1DBC-9B34-4672-B365-6C5C7E96A5E5}" destId="{6942386B-9CB3-42BD-8359-D4983AE6BE94}" srcOrd="0" destOrd="0" presId="urn:microsoft.com/office/officeart/2008/layout/VerticalAccentList"/>
+    <dgm:cxn modelId="{46DBFC28-5C33-4B88-8831-68037F695A48}" srcId="{3B990DCB-AF23-4094-864B-C8B99FA30370}" destId="{7DEF99AD-EC88-4718-B8D7-F22561235CEC}" srcOrd="0" destOrd="0" parTransId="{E16E29D3-9570-412D-93B6-B4CE77D1B6DD}" sibTransId="{456EA687-CA8C-4F68-B168-4C2E87ACC68B}"/>
+    <dgm:cxn modelId="{8DAC0267-44CD-4D02-88C9-B2F8A13C158E}" srcId="{E1AD1DBC-9B34-4672-B365-6C5C7E96A5E5}" destId="{1D280956-61F1-44EA-89DD-47917582B346}" srcOrd="0" destOrd="0" parTransId="{F5F29254-C816-4B3B-A23C-846A234C8557}" sibTransId="{EC76378A-9F1D-482E-AF47-2DD7D70945B6}"/>
+    <dgm:cxn modelId="{CB3A7C69-958C-4843-B7ED-83515A10A28C}" type="presOf" srcId="{27B4E690-4D0F-4D7A-BF6F-F3DD955F4988}" destId="{E32532E9-08CE-4B0A-BCE0-D0BA22A7E592}" srcOrd="0" destOrd="0" presId="urn:microsoft.com/office/officeart/2008/layout/VerticalAccentList"/>
+    <dgm:cxn modelId="{CF311F6B-D75F-4E52-B24C-88CD9CE8788A}" type="presOf" srcId="{7DEF99AD-EC88-4718-B8D7-F22561235CEC}" destId="{B46F8A2D-B8E9-481F-97F6-8D8A2A54017A}" srcOrd="0" destOrd="0" presId="urn:microsoft.com/office/officeart/2008/layout/VerticalAccentList"/>
+    <dgm:cxn modelId="{465DA86F-848F-4676-83D7-EF70E10772A2}" type="presOf" srcId="{240AA45F-7625-47CB-82DB-58CF98B59095}" destId="{A4E32358-9FAF-4554-AC0F-5ED0792D2EF5}" srcOrd="0" destOrd="0" presId="urn:microsoft.com/office/officeart/2008/layout/VerticalAccentList"/>
     <dgm:cxn modelId="{4E210A80-A0A8-4FC3-BB39-ADD0CB874D63}" srcId="{D3C5B8D2-1E6D-4BCA-9E4B-8A99C8D7BC4A}" destId="{E1AD1DBC-9B34-4672-B365-6C5C7E96A5E5}" srcOrd="2" destOrd="0" parTransId="{8C5C062E-BB4A-4159-9D81-9F19138DAF56}" sibTransId="{1A79B38F-A3E5-4698-99B4-A0F5A3E8CD65}"/>
-    <dgm:cxn modelId="{CF311F6B-D75F-4E52-B24C-88CD9CE8788A}" type="presOf" srcId="{7DEF99AD-EC88-4718-B8D7-F22561235CEC}" destId="{B46F8A2D-B8E9-481F-97F6-8D8A2A54017A}" srcOrd="0" destOrd="0" presId="urn:microsoft.com/office/officeart/2008/layout/VerticalAccentList"/>
-    <dgm:cxn modelId="{D4C18627-C853-42E4-BB13-64F93E9AFD1B}" type="presOf" srcId="{E1AD1DBC-9B34-4672-B365-6C5C7E96A5E5}" destId="{6942386B-9CB3-42BD-8359-D4983AE6BE94}" srcOrd="0" destOrd="0" presId="urn:microsoft.com/office/officeart/2008/layout/VerticalAccentList"/>
-    <dgm:cxn modelId="{CB3A7C69-958C-4843-B7ED-83515A10A28C}" type="presOf" srcId="{27B4E690-4D0F-4D7A-BF6F-F3DD955F4988}" destId="{E32532E9-08CE-4B0A-BCE0-D0BA22A7E592}" srcOrd="0" destOrd="0" presId="urn:microsoft.com/office/officeart/2008/layout/VerticalAccentList"/>
-    <dgm:cxn modelId="{159602F2-C521-4E1D-AE9F-D54CDD414A04}" srcId="{D3C5B8D2-1E6D-4BCA-9E4B-8A99C8D7BC4A}" destId="{240AA45F-7625-47CB-82DB-58CF98B59095}" srcOrd="1" destOrd="0" parTransId="{648CE750-928A-4617-818A-2C5528133922}" sibTransId="{A5F62957-BF38-47A2-B1D2-0D9C89C422D5}"/>
-    <dgm:cxn modelId="{289A7ABA-98F5-4FB1-939B-2977E2B9EB8F}" srcId="{D3C5B8D2-1E6D-4BCA-9E4B-8A99C8D7BC4A}" destId="{3B990DCB-AF23-4094-864B-C8B99FA30370}" srcOrd="0" destOrd="0" parTransId="{9045AE91-C8DE-42D1-9697-92115E53B6EE}" sibTransId="{8F93B7AA-ADE0-44B8-AFDE-9A1375C16706}"/>
-    <dgm:cxn modelId="{465DA86F-848F-4676-83D7-EF70E10772A2}" type="presOf" srcId="{240AA45F-7625-47CB-82DB-58CF98B59095}" destId="{A4E32358-9FAF-4554-AC0F-5ED0792D2EF5}" srcOrd="0" destOrd="0" presId="urn:microsoft.com/office/officeart/2008/layout/VerticalAccentList"/>
-    <dgm:cxn modelId="{62126DBA-440F-4890-99E9-D0197B1F8AC3}" srcId="{240AA45F-7625-47CB-82DB-58CF98B59095}" destId="{27B4E690-4D0F-4D7A-BF6F-F3DD955F4988}" srcOrd="0" destOrd="0" parTransId="{90D197D3-3303-4C80-A092-3B7BDF04FBF7}" sibTransId="{9A9FC636-BF64-4AA3-9111-3312D89D6371}"/>
-    <dgm:cxn modelId="{46DBFC28-5C33-4B88-8831-68037F695A48}" srcId="{3B990DCB-AF23-4094-864B-C8B99FA30370}" destId="{7DEF99AD-EC88-4718-B8D7-F22561235CEC}" srcOrd="0" destOrd="0" parTransId="{E16E29D3-9570-412D-93B6-B4CE77D1B6DD}" sibTransId="{456EA687-CA8C-4F68-B168-4C2E87ACC68B}"/>
-    <dgm:cxn modelId="{0483E1C3-6C70-412E-AAC3-B46CFF6C18D1}" type="presOf" srcId="{1D280956-61F1-44EA-89DD-47917582B346}" destId="{7D1CCBD6-3740-4106-ACAE-D6E331C7E2C9}" srcOrd="0" destOrd="0" presId="urn:microsoft.com/office/officeart/2008/layout/VerticalAccentList"/>
     <dgm:cxn modelId="{19E96E93-9340-4B6D-9D0A-4E9BB27463D5}" type="presOf" srcId="{3B990DCB-AF23-4094-864B-C8B99FA30370}" destId="{1828D533-56A7-44F9-AB5F-B12D35D0CCA4}" srcOrd="0" destOrd="0" presId="urn:microsoft.com/office/officeart/2008/layout/VerticalAccentList"/>
     <dgm:cxn modelId="{CD70DE96-621F-451D-BE37-1E475264DF76}" type="presOf" srcId="{D3C5B8D2-1E6D-4BCA-9E4B-8A99C8D7BC4A}" destId="{AD265B07-23FB-4DFC-8F3D-B0DCAD6DF87E}" srcOrd="0" destOrd="0" presId="urn:microsoft.com/office/officeart/2008/layout/VerticalAccentList"/>
-    <dgm:cxn modelId="{8DAC0267-44CD-4D02-88C9-B2F8A13C158E}" srcId="{E1AD1DBC-9B34-4672-B365-6C5C7E96A5E5}" destId="{1D280956-61F1-44EA-89DD-47917582B346}" srcOrd="0" destOrd="0" parTransId="{F5F29254-C816-4B3B-A23C-846A234C8557}" sibTransId="{EC76378A-9F1D-482E-AF47-2DD7D70945B6}"/>
+    <dgm:cxn modelId="{62126DBA-440F-4890-99E9-D0197B1F8AC3}" srcId="{240AA45F-7625-47CB-82DB-58CF98B59095}" destId="{27B4E690-4D0F-4D7A-BF6F-F3DD955F4988}" srcOrd="0" destOrd="0" parTransId="{90D197D3-3303-4C80-A092-3B7BDF04FBF7}" sibTransId="{9A9FC636-BF64-4AA3-9111-3312D89D6371}"/>
+    <dgm:cxn modelId="{289A7ABA-98F5-4FB1-939B-2977E2B9EB8F}" srcId="{D3C5B8D2-1E6D-4BCA-9E4B-8A99C8D7BC4A}" destId="{3B990DCB-AF23-4094-864B-C8B99FA30370}" srcOrd="0" destOrd="0" parTransId="{9045AE91-C8DE-42D1-9697-92115E53B6EE}" sibTransId="{8F93B7AA-ADE0-44B8-AFDE-9A1375C16706}"/>
+    <dgm:cxn modelId="{0483E1C3-6C70-412E-AAC3-B46CFF6C18D1}" type="presOf" srcId="{1D280956-61F1-44EA-89DD-47917582B346}" destId="{7D1CCBD6-3740-4106-ACAE-D6E331C7E2C9}" srcOrd="0" destOrd="0" presId="urn:microsoft.com/office/officeart/2008/layout/VerticalAccentList"/>
+    <dgm:cxn modelId="{159602F2-C521-4E1D-AE9F-D54CDD414A04}" srcId="{D3C5B8D2-1E6D-4BCA-9E4B-8A99C8D7BC4A}" destId="{240AA45F-7625-47CB-82DB-58CF98B59095}" srcOrd="1" destOrd="0" parTransId="{648CE750-928A-4617-818A-2C5528133922}" sibTransId="{A5F62957-BF38-47A2-B1D2-0D9C89C422D5}"/>
     <dgm:cxn modelId="{CEA96C6C-921E-4869-AF30-AC40641973C5}" type="presParOf" srcId="{AD265B07-23FB-4DFC-8F3D-B0DCAD6DF87E}" destId="{0E7F93D0-E3D1-48EE-9797-63EC830CCA06}" srcOrd="0" destOrd="0" presId="urn:microsoft.com/office/officeart/2008/layout/VerticalAccentList"/>
     <dgm:cxn modelId="{7AE7B410-5C42-4345-844B-3DB5BFA6EC00}" type="presParOf" srcId="{0E7F93D0-E3D1-48EE-9797-63EC830CCA06}" destId="{1828D533-56A7-44F9-AB5F-B12D35D0CCA4}" srcOrd="0" destOrd="0" presId="urn:microsoft.com/office/officeart/2008/layout/VerticalAccentList"/>
     <dgm:cxn modelId="{442B12D3-4930-4566-B61B-CD0BC84B0DEC}" type="presParOf" srcId="{AD265B07-23FB-4DFC-8F3D-B0DCAD6DF87E}" destId="{2A167B03-FCF6-480B-BD04-B18E95132E7F}" srcOrd="1" destOrd="0" presId="urn:microsoft.com/office/officeart/2008/layout/VerticalAccentList"/>
@@ -1749,7 +1688,7 @@
         </a:bodyPr>
         <a:lstStyle/>
         <a:p>
-          <a:pPr lvl="0" algn="l" defTabSz="844550" rtl="0">
+          <a:pPr marL="0" lvl="0" indent="0" algn="l" defTabSz="844550" rtl="0">
             <a:lnSpc>
               <a:spcPct val="90000"/>
             </a:lnSpc>
@@ -1759,9 +1698,10 @@
             <a:spcAft>
               <a:spcPct val="35000"/>
             </a:spcAft>
+            <a:buNone/>
           </a:pPr>
           <a:r>
-            <a:rPr lang="zh-TW" altLang="en-US" sz="1900" kern="1200" noProof="0" dirty="0" smtClean="0">
+            <a:rPr lang="zh-TW" altLang="en-US" sz="1900" kern="1200" noProof="0" dirty="0">
               <a:latin typeface="Microsoft JhengHei UI" panose="020B0604030504040204" pitchFamily="34" charset="-120"/>
               <a:ea typeface="Microsoft JhengHei UI" panose="020B0604030504040204" pitchFamily="34" charset="-120"/>
             </a:rPr>
@@ -1800,7 +1740,7 @@
             <a:gd name="adj" fmla="val 70610"/>
           </a:avLst>
         </a:prstGeom>
-        <a:blipFill rotWithShape="0">
+        <a:blipFill>
           <a:blip xmlns:r="http://schemas.openxmlformats.org/officeDocument/2006/relationships" r:embed="rId1">
             <a:duotone>
               <a:schemeClr val="accent2">
@@ -1874,7 +1814,7 @@
             <a:gd name="adj" fmla="val 70610"/>
           </a:avLst>
         </a:prstGeom>
-        <a:blipFill rotWithShape="0">
+        <a:blipFill>
           <a:blip xmlns:r="http://schemas.openxmlformats.org/officeDocument/2006/relationships" r:embed="rId1">
             <a:duotone>
               <a:schemeClr val="accent3">
@@ -1948,7 +1888,7 @@
             <a:gd name="adj" fmla="val 70610"/>
           </a:avLst>
         </a:prstGeom>
-        <a:blipFill rotWithShape="0">
+        <a:blipFill>
           <a:blip xmlns:r="http://schemas.openxmlformats.org/officeDocument/2006/relationships" r:embed="rId1">
             <a:duotone>
               <a:schemeClr val="accent4">
@@ -2022,7 +1962,7 @@
             <a:gd name="adj" fmla="val 70610"/>
           </a:avLst>
         </a:prstGeom>
-        <a:blipFill rotWithShape="0">
+        <a:blipFill>
           <a:blip xmlns:r="http://schemas.openxmlformats.org/officeDocument/2006/relationships" r:embed="rId1">
             <a:duotone>
               <a:schemeClr val="accent5">
@@ -2096,7 +2036,7 @@
             <a:gd name="adj" fmla="val 70610"/>
           </a:avLst>
         </a:prstGeom>
-        <a:blipFill rotWithShape="0">
+        <a:blipFill>
           <a:blip xmlns:r="http://schemas.openxmlformats.org/officeDocument/2006/relationships" r:embed="rId1">
             <a:duotone>
               <a:schemeClr val="accent6">
@@ -2170,7 +2110,7 @@
             <a:gd name="adj" fmla="val 70610"/>
           </a:avLst>
         </a:prstGeom>
-        <a:blipFill rotWithShape="0">
+        <a:blipFill>
           <a:blip xmlns:r="http://schemas.openxmlformats.org/officeDocument/2006/relationships" r:embed="rId1">
             <a:duotone>
               <a:schemeClr val="accent2">
@@ -2244,7 +2184,7 @@
             <a:gd name="adj" fmla="val 70610"/>
           </a:avLst>
         </a:prstGeom>
-        <a:blipFill rotWithShape="0">
+        <a:blipFill>
           <a:blip xmlns:r="http://schemas.openxmlformats.org/officeDocument/2006/relationships" r:embed="rId1">
             <a:duotone>
               <a:schemeClr val="accent3">
@@ -2361,7 +2301,7 @@
         </a:bodyPr>
         <a:lstStyle/>
         <a:p>
-          <a:pPr lvl="0" algn="l" defTabSz="844550" rtl="0">
+          <a:pPr marL="0" lvl="0" indent="0" algn="l" defTabSz="844550" rtl="0">
             <a:lnSpc>
               <a:spcPct val="90000"/>
             </a:lnSpc>
@@ -2371,18 +2311,15 @@
             <a:spcAft>
               <a:spcPct val="35000"/>
             </a:spcAft>
+            <a:buNone/>
           </a:pPr>
           <a:r>
-            <a:rPr lang="zh-TW" altLang="en-US" sz="1900" b="1" kern="1200" noProof="0" dirty="0" smtClean="0">
+            <a:rPr lang="zh-TW" altLang="en-US" sz="1900" b="1" kern="1200" noProof="0" dirty="0">
               <a:latin typeface="Microsoft JhengHei UI" panose="020B0604030504040204" pitchFamily="34" charset="-120"/>
               <a:ea typeface="Microsoft JhengHei UI" panose="020B0604030504040204" pitchFamily="34" charset="-120"/>
             </a:rPr>
             <a:t>跳球遊戲</a:t>
           </a:r>
-          <a:endParaRPr lang="zh-TW" altLang="en-US" sz="1900" b="1" kern="1200" noProof="0" dirty="0">
-            <a:latin typeface="Microsoft JhengHei UI" panose="020B0604030504040204" pitchFamily="34" charset="-120"/>
-            <a:ea typeface="Microsoft JhengHei UI" panose="020B0604030504040204" pitchFamily="34" charset="-120"/>
-          </a:endParaRPr>
         </a:p>
       </dsp:txBody>
       <dsp:txXfrm>
@@ -2427,7 +2364,7 @@
         </a:bodyPr>
         <a:lstStyle/>
         <a:p>
-          <a:pPr lvl="0" algn="l" defTabSz="844550" rtl="0">
+          <a:pPr marL="0" lvl="0" indent="0" algn="l" defTabSz="844550" rtl="0">
             <a:lnSpc>
               <a:spcPct val="90000"/>
             </a:lnSpc>
@@ -2437,16 +2374,17 @@
             <a:spcAft>
               <a:spcPct val="35000"/>
             </a:spcAft>
+            <a:buNone/>
           </a:pPr>
           <a:r>
-            <a:rPr lang="zh-TW" altLang="en-US" sz="1900" kern="1200" noProof="0" dirty="0" smtClean="0">
+            <a:rPr lang="zh-TW" altLang="en-US" sz="1900" kern="1200" noProof="0" dirty="0">
               <a:latin typeface="Microsoft JhengHei UI" panose="020B0604030504040204" pitchFamily="34" charset="-120"/>
               <a:ea typeface="Microsoft JhengHei UI" panose="020B0604030504040204" pitchFamily="34" charset="-120"/>
             </a:rPr>
             <a:t>遊戲 </a:t>
           </a:r>
           <a:r>
-            <a:rPr lang="en-US" altLang="zh-TW" sz="1900" kern="1200" noProof="0" dirty="0" smtClean="0">
+            <a:rPr lang="en-US" altLang="zh-TW" sz="1900" kern="1200" noProof="0" dirty="0">
               <a:latin typeface="Microsoft JhengHei UI" panose="020B0604030504040204" pitchFamily="34" charset="-120"/>
               <a:ea typeface="Microsoft JhengHei UI" panose="020B0604030504040204" pitchFamily="34" charset="-120"/>
             </a:rPr>
@@ -2478,7 +2416,7 @@
             <a:gd name="adj" fmla="val 70610"/>
           </a:avLst>
         </a:prstGeom>
-        <a:blipFill rotWithShape="0">
+        <a:blipFill>
           <a:blip xmlns:r="http://schemas.openxmlformats.org/officeDocument/2006/relationships" r:embed="rId1">
             <a:duotone>
               <a:schemeClr val="accent4">
@@ -2552,7 +2490,7 @@
             <a:gd name="adj" fmla="val 70610"/>
           </a:avLst>
         </a:prstGeom>
-        <a:blipFill rotWithShape="0">
+        <a:blipFill>
           <a:blip xmlns:r="http://schemas.openxmlformats.org/officeDocument/2006/relationships" r:embed="rId1">
             <a:duotone>
               <a:schemeClr val="accent5">
@@ -2626,7 +2564,7 @@
             <a:gd name="adj" fmla="val 70610"/>
           </a:avLst>
         </a:prstGeom>
-        <a:blipFill rotWithShape="0">
+        <a:blipFill>
           <a:blip xmlns:r="http://schemas.openxmlformats.org/officeDocument/2006/relationships" r:embed="rId1">
             <a:duotone>
               <a:schemeClr val="accent6">
@@ -2700,7 +2638,7 @@
             <a:gd name="adj" fmla="val 70610"/>
           </a:avLst>
         </a:prstGeom>
-        <a:blipFill rotWithShape="0">
+        <a:blipFill>
           <a:blip xmlns:r="http://schemas.openxmlformats.org/officeDocument/2006/relationships" r:embed="rId1">
             <a:duotone>
               <a:schemeClr val="accent2">
@@ -2774,7 +2712,7 @@
             <a:gd name="adj" fmla="val 70610"/>
           </a:avLst>
         </a:prstGeom>
-        <a:blipFill rotWithShape="0">
+        <a:blipFill>
           <a:blip xmlns:r="http://schemas.openxmlformats.org/officeDocument/2006/relationships" r:embed="rId1">
             <a:duotone>
               <a:schemeClr val="accent3">
@@ -2848,7 +2786,7 @@
             <a:gd name="adj" fmla="val 70610"/>
           </a:avLst>
         </a:prstGeom>
-        <a:blipFill rotWithShape="0">
+        <a:blipFill>
           <a:blip xmlns:r="http://schemas.openxmlformats.org/officeDocument/2006/relationships" r:embed="rId1">
             <a:duotone>
               <a:schemeClr val="accent4">
@@ -2922,7 +2860,7 @@
             <a:gd name="adj" fmla="val 70610"/>
           </a:avLst>
         </a:prstGeom>
-        <a:blipFill rotWithShape="0">
+        <a:blipFill>
           <a:blip xmlns:r="http://schemas.openxmlformats.org/officeDocument/2006/relationships" r:embed="rId1">
             <a:duotone>
               <a:schemeClr val="accent5">
@@ -3039,7 +2977,7 @@
         </a:bodyPr>
         <a:lstStyle/>
         <a:p>
-          <a:pPr lvl="0" algn="l" defTabSz="844550" rtl="0">
+          <a:pPr marL="0" lvl="0" indent="0" algn="l" defTabSz="844550" rtl="0">
             <a:lnSpc>
               <a:spcPct val="90000"/>
             </a:lnSpc>
@@ -3049,18 +2987,15 @@
             <a:spcAft>
               <a:spcPct val="35000"/>
             </a:spcAft>
+            <a:buNone/>
           </a:pPr>
           <a:r>
-            <a:rPr lang="zh-TW" altLang="en-US" sz="1900" b="1" kern="1200" noProof="0" dirty="0" smtClean="0">
+            <a:rPr lang="zh-TW" altLang="en-US" sz="1900" b="1" kern="1200" noProof="0" dirty="0">
               <a:latin typeface="Microsoft JhengHei UI" panose="020B0604030504040204" pitchFamily="34" charset="-120"/>
               <a:ea typeface="Microsoft JhengHei UI" panose="020B0604030504040204" pitchFamily="34" charset="-120"/>
             </a:rPr>
             <a:t>猜猜數字</a:t>
           </a:r>
-          <a:endParaRPr lang="zh-TW" altLang="en-US" sz="1900" b="1" kern="1200" noProof="0" dirty="0">
-            <a:latin typeface="Microsoft JhengHei UI" panose="020B0604030504040204" pitchFamily="34" charset="-120"/>
-            <a:ea typeface="Microsoft JhengHei UI" panose="020B0604030504040204" pitchFamily="34" charset="-120"/>
-          </a:endParaRPr>
         </a:p>
       </dsp:txBody>
       <dsp:txXfrm>
@@ -3105,7 +3040,7 @@
         </a:bodyPr>
         <a:lstStyle/>
         <a:p>
-          <a:pPr lvl="0" algn="l" defTabSz="844550" rtl="0">
+          <a:pPr marL="0" lvl="0" indent="0" algn="l" defTabSz="844550" rtl="0">
             <a:lnSpc>
               <a:spcPct val="90000"/>
             </a:lnSpc>
@@ -3115,9 +3050,10 @@
             <a:spcAft>
               <a:spcPct val="35000"/>
             </a:spcAft>
+            <a:buNone/>
           </a:pPr>
           <a:r>
-            <a:rPr lang="zh-TW" altLang="en-US" sz="1900" kern="1200" noProof="0" dirty="0" smtClean="0">
+            <a:rPr lang="zh-TW" altLang="en-US" sz="1900" kern="1200" noProof="0" dirty="0">
               <a:latin typeface="Microsoft JhengHei UI" panose="020B0604030504040204" pitchFamily="34" charset="-120"/>
               <a:ea typeface="Microsoft JhengHei UI" panose="020B0604030504040204" pitchFamily="34" charset="-120"/>
             </a:rPr>
@@ -3156,7 +3092,7 @@
             <a:gd name="adj" fmla="val 70610"/>
           </a:avLst>
         </a:prstGeom>
-        <a:blipFill rotWithShape="0">
+        <a:blipFill>
           <a:blip xmlns:r="http://schemas.openxmlformats.org/officeDocument/2006/relationships" r:embed="rId1">
             <a:duotone>
               <a:schemeClr val="accent6">
@@ -3230,7 +3166,7 @@
             <a:gd name="adj" fmla="val 70610"/>
           </a:avLst>
         </a:prstGeom>
-        <a:blipFill rotWithShape="0">
+        <a:blipFill>
           <a:blip xmlns:r="http://schemas.openxmlformats.org/officeDocument/2006/relationships" r:embed="rId1">
             <a:duotone>
               <a:schemeClr val="accent2">
@@ -3304,7 +3240,7 @@
             <a:gd name="adj" fmla="val 70610"/>
           </a:avLst>
         </a:prstGeom>
-        <a:blipFill rotWithShape="0">
+        <a:blipFill>
           <a:blip xmlns:r="http://schemas.openxmlformats.org/officeDocument/2006/relationships" r:embed="rId1">
             <a:duotone>
               <a:schemeClr val="accent3">
@@ -3378,7 +3314,7 @@
             <a:gd name="adj" fmla="val 70610"/>
           </a:avLst>
         </a:prstGeom>
-        <a:blipFill rotWithShape="0">
+        <a:blipFill>
           <a:blip xmlns:r="http://schemas.openxmlformats.org/officeDocument/2006/relationships" r:embed="rId1">
             <a:duotone>
               <a:schemeClr val="accent4">
@@ -3452,7 +3388,7 @@
             <a:gd name="adj" fmla="val 70610"/>
           </a:avLst>
         </a:prstGeom>
-        <a:blipFill rotWithShape="0">
+        <a:blipFill>
           <a:blip xmlns:r="http://schemas.openxmlformats.org/officeDocument/2006/relationships" r:embed="rId1">
             <a:duotone>
               <a:schemeClr val="accent5">
@@ -3526,7 +3462,7 @@
             <a:gd name="adj" fmla="val 70610"/>
           </a:avLst>
         </a:prstGeom>
-        <a:blipFill rotWithShape="0">
+        <a:blipFill>
           <a:blip xmlns:r="http://schemas.openxmlformats.org/officeDocument/2006/relationships" r:embed="rId1">
             <a:duotone>
               <a:schemeClr val="accent6">
@@ -3600,7 +3536,7 @@
             <a:gd name="adj" fmla="val 70610"/>
           </a:avLst>
         </a:prstGeom>
-        <a:blipFill rotWithShape="0">
+        <a:blipFill>
           <a:blip xmlns:r="http://schemas.openxmlformats.org/officeDocument/2006/relationships" r:embed="rId1">
             <a:duotone>
               <a:schemeClr val="accent2">
@@ -3717,7 +3653,7 @@
         </a:bodyPr>
         <a:lstStyle/>
         <a:p>
-          <a:pPr lvl="0" algn="l" defTabSz="844550" rtl="0">
+          <a:pPr marL="0" lvl="0" indent="0" algn="l" defTabSz="844550" rtl="0">
             <a:lnSpc>
               <a:spcPct val="90000"/>
             </a:lnSpc>
@@ -3727,18 +3663,15 @@
             <a:spcAft>
               <a:spcPct val="35000"/>
             </a:spcAft>
+            <a:buNone/>
           </a:pPr>
           <a:r>
-            <a:rPr lang="zh-TW" altLang="en-US" sz="1900" b="1" kern="1200" noProof="0" dirty="0" smtClean="0">
+            <a:rPr lang="zh-TW" altLang="en-US" sz="1900" b="1" kern="1200" noProof="0" dirty="0">
               <a:latin typeface="Microsoft JhengHei UI" panose="020B0604030504040204" pitchFamily="34" charset="-120"/>
               <a:ea typeface="Microsoft JhengHei UI" panose="020B0604030504040204" pitchFamily="34" charset="-120"/>
             </a:rPr>
             <a:t>來走迷宮</a:t>
           </a:r>
-          <a:endParaRPr lang="zh-TW" altLang="en-US" sz="1900" b="1" kern="1200" noProof="0" dirty="0">
-            <a:latin typeface="Microsoft JhengHei UI" panose="020B0604030504040204" pitchFamily="34" charset="-120"/>
-            <a:ea typeface="Microsoft JhengHei UI" panose="020B0604030504040204" pitchFamily="34" charset="-120"/>
-          </a:endParaRPr>
         </a:p>
       </dsp:txBody>
       <dsp:txXfrm>
@@ -6264,10 +6197,9 @@
           <a:p>
             <a:pPr rtl="0"/>
             <a:r>
-              <a:rPr lang="zh-TW" altLang="en-US" noProof="0" smtClean="0"/>
+              <a:rPr lang="zh-TW" altLang="en-US" noProof="0"/>
               <a:t>按一下以編輯母片標題樣式</a:t>
             </a:r>
-            <a:endParaRPr lang="zh-TW" altLang="en-US" noProof="0"/>
           </a:p>
         </p:txBody>
       </p:sp>
@@ -6562,10 +6494,9 @@
           <a:p>
             <a:pPr rtl="0"/>
             <a:r>
-              <a:rPr lang="zh-TW" altLang="en-US" noProof="0" smtClean="0"/>
+              <a:rPr lang="zh-TW" altLang="en-US" noProof="0"/>
               <a:t>按一下以編輯母片標題樣式</a:t>
             </a:r>
-            <a:endParaRPr lang="zh-TW" altLang="en-US" noProof="0"/>
           </a:p>
         </p:txBody>
       </p:sp>
@@ -6651,10 +6582,9 @@
           <a:p>
             <a:pPr rtl="0"/>
             <a:r>
-              <a:rPr lang="zh-TW" altLang="en-US" noProof="0" smtClean="0"/>
+              <a:rPr lang="zh-TW" altLang="en-US" noProof="0"/>
               <a:t>按一下圖示以新增圖片</a:t>
             </a:r>
-            <a:endParaRPr lang="zh-TW" altLang="en-US" noProof="0"/>
           </a:p>
         </p:txBody>
       </p:sp>
@@ -6852,10 +6782,9 @@
           <a:p>
             <a:pPr rtl="0"/>
             <a:r>
-              <a:rPr lang="zh-TW" altLang="en-US" noProof="0" smtClean="0"/>
+              <a:rPr lang="zh-TW" altLang="en-US" noProof="0"/>
               <a:t>按一下以編輯母片標題樣式</a:t>
             </a:r>
-            <a:endParaRPr lang="zh-TW" altLang="en-US" noProof="0"/>
           </a:p>
         </p:txBody>
       </p:sp>
@@ -7142,10 +7071,9 @@
           <a:p>
             <a:pPr rtl="0"/>
             <a:r>
-              <a:rPr lang="zh-TW" altLang="en-US" noProof="0" smtClean="0"/>
+              <a:rPr lang="zh-TW" altLang="en-US" noProof="0"/>
               <a:t>按一下以編輯母片標題樣式</a:t>
             </a:r>
-            <a:endParaRPr lang="zh-TW" altLang="en-US" noProof="0"/>
           </a:p>
         </p:txBody>
       </p:sp>
@@ -7577,10 +7505,9 @@
           <a:p>
             <a:pPr rtl="0"/>
             <a:r>
-              <a:rPr lang="zh-TW" altLang="en-US" noProof="0" smtClean="0"/>
+              <a:rPr lang="zh-TW" altLang="en-US" noProof="0"/>
               <a:t>按一下以編輯母片標題樣式</a:t>
             </a:r>
-            <a:endParaRPr lang="zh-TW" altLang="en-US" noProof="0"/>
           </a:p>
         </p:txBody>
       </p:sp>
@@ -7836,10 +7763,9 @@
           <a:p>
             <a:pPr rtl="0"/>
             <a:r>
-              <a:rPr lang="zh-TW" altLang="en-US" noProof="0" smtClean="0"/>
+              <a:rPr lang="zh-TW" altLang="en-US" noProof="0"/>
               <a:t>按一下以編輯母片標題樣式</a:t>
             </a:r>
-            <a:endParaRPr lang="zh-TW" altLang="en-US" noProof="0"/>
           </a:p>
         </p:txBody>
       </p:sp>
@@ -8336,10 +8262,9 @@
           <a:p>
             <a:pPr marL="0" lvl="0" rtl="0"/>
             <a:r>
-              <a:rPr lang="zh-TW" altLang="en-US" noProof="0" smtClean="0"/>
+              <a:rPr lang="zh-TW" altLang="en-US" noProof="0"/>
               <a:t>按一下以編輯母片標題樣式</a:t>
             </a:r>
-            <a:endParaRPr lang="zh-TW" altLang="en-US" noProof="0"/>
           </a:p>
         </p:txBody>
       </p:sp>
@@ -8735,10 +8660,9 @@
           <a:p>
             <a:pPr rtl="0"/>
             <a:r>
-              <a:rPr lang="zh-TW" altLang="en-US" noProof="0" smtClean="0"/>
+              <a:rPr lang="zh-TW" altLang="en-US" noProof="0"/>
               <a:t>按一下以編輯母片標題樣式</a:t>
             </a:r>
-            <a:endParaRPr lang="zh-TW" altLang="en-US" noProof="0"/>
           </a:p>
         </p:txBody>
       </p:sp>
@@ -8945,10 +8869,9 @@
           <a:p>
             <a:pPr rtl="0"/>
             <a:r>
-              <a:rPr lang="zh-TW" altLang="en-US" noProof="0" smtClean="0"/>
+              <a:rPr lang="zh-TW" altLang="en-US" noProof="0"/>
               <a:t>按一下以編輯母片標題樣式</a:t>
             </a:r>
-            <a:endParaRPr lang="zh-TW" altLang="en-US" noProof="0"/>
           </a:p>
         </p:txBody>
       </p:sp>
@@ -9185,10 +9108,9 @@
           <a:p>
             <a:pPr rtl="0"/>
             <a:r>
-              <a:rPr lang="zh-TW" altLang="en-US" noProof="0" smtClean="0"/>
+              <a:rPr lang="zh-TW" altLang="en-US" noProof="0"/>
               <a:t>按一下以編輯母片標題樣式</a:t>
             </a:r>
-            <a:endParaRPr lang="zh-TW" altLang="en-US" noProof="0"/>
           </a:p>
         </p:txBody>
       </p:sp>
@@ -9369,10 +9291,9 @@
           <a:p>
             <a:pPr rtl="0"/>
             <a:r>
-              <a:rPr lang="zh-TW" altLang="en-US" noProof="0" smtClean="0"/>
+              <a:rPr lang="zh-TW" altLang="en-US" noProof="0"/>
               <a:t>按一下以編輯母片標題樣式</a:t>
             </a:r>
-            <a:endParaRPr lang="zh-TW" altLang="en-US" noProof="0"/>
           </a:p>
         </p:txBody>
       </p:sp>
@@ -9673,10 +9594,9 @@
           <a:p>
             <a:pPr rtl="0"/>
             <a:r>
-              <a:rPr lang="zh-TW" altLang="en-US" noProof="0" smtClean="0"/>
+              <a:rPr lang="zh-TW" altLang="en-US" noProof="0"/>
               <a:t>按一下以編輯母片標題樣式</a:t>
             </a:r>
-            <a:endParaRPr lang="zh-TW" altLang="en-US" noProof="0"/>
           </a:p>
         </p:txBody>
       </p:sp>
@@ -9915,10 +9835,9 @@
           <a:p>
             <a:pPr rtl="0"/>
             <a:r>
-              <a:rPr lang="zh-TW" altLang="en-US" noProof="0" smtClean="0"/>
+              <a:rPr lang="zh-TW" altLang="en-US" noProof="0"/>
               <a:t>按一下以編輯母片標題樣式</a:t>
             </a:r>
-            <a:endParaRPr lang="zh-TW" altLang="en-US" noProof="0"/>
           </a:p>
         </p:txBody>
       </p:sp>
@@ -10327,10 +10246,9 @@
           <a:p>
             <a:pPr rtl="0"/>
             <a:r>
-              <a:rPr lang="zh-TW" altLang="en-US" noProof="0" smtClean="0"/>
+              <a:rPr lang="zh-TW" altLang="en-US" noProof="0"/>
               <a:t>按一下以編輯母片標題樣式</a:t>
             </a:r>
-            <a:endParaRPr lang="zh-TW" altLang="en-US" noProof="0"/>
           </a:p>
         </p:txBody>
       </p:sp>
@@ -10591,10 +10509,9 @@
           <a:p>
             <a:pPr rtl="0"/>
             <a:r>
-              <a:rPr lang="zh-TW" altLang="en-US" noProof="0" smtClean="0"/>
+              <a:rPr lang="zh-TW" altLang="en-US" noProof="0"/>
               <a:t>按一下以編輯母片標題樣式</a:t>
             </a:r>
-            <a:endParaRPr lang="zh-TW" altLang="en-US" noProof="0"/>
           </a:p>
         </p:txBody>
       </p:sp>
@@ -10881,10 +10798,9 @@
           <a:p>
             <a:pPr rtl="0"/>
             <a:r>
-              <a:rPr lang="zh-TW" altLang="en-US" noProof="0" smtClean="0"/>
+              <a:rPr lang="zh-TW" altLang="en-US" noProof="0"/>
               <a:t>按一下以編輯母片標題樣式</a:t>
             </a:r>
-            <a:endParaRPr lang="zh-TW" altLang="en-US" noProof="0"/>
           </a:p>
         </p:txBody>
       </p:sp>
@@ -10970,10 +10886,9 @@
           <a:p>
             <a:pPr rtl="0"/>
             <a:r>
-              <a:rPr lang="zh-TW" altLang="en-US" noProof="0" smtClean="0"/>
+              <a:rPr lang="zh-TW" altLang="en-US" noProof="0"/>
               <a:t>按一下圖示以新增圖片</a:t>
             </a:r>
-            <a:endParaRPr lang="zh-TW" altLang="en-US" noProof="0"/>
           </a:p>
         </p:txBody>
       </p:sp>
@@ -11914,7 +11829,7 @@
                 <a16:creationId xmlns:a16="http://schemas.microsoft.com/office/drawing/2014/main" id="{EF41A68A-8CD1-4105-B4EC-A56286CB0F4E}"/>
               </a:ext>
               <a:ext uri="{C183D7F6-B498-43B3-948B-1728B52AA6E4}">
-                <adec:decorative xmlns="" xmlns:adec="http://schemas.microsoft.com/office/drawing/2017/decorative" val="1"/>
+                <adec:decorative xmlns:adec="http://schemas.microsoft.com/office/drawing/2017/decorative" val="1"/>
               </a:ext>
             </a:extLst>
           </p:cNvPr>
@@ -11945,7 +11860,7 @@
                   <a16:creationId xmlns:a16="http://schemas.microsoft.com/office/drawing/2014/main" id="{7B955F46-02E4-4A82-96F5-CBAFDD4A74FB}"/>
                 </a:ext>
                 <a:ext uri="{C183D7F6-B498-43B3-948B-1728B52AA6E4}">
-                  <adec:decorative xmlns="" xmlns:adec="http://schemas.microsoft.com/office/drawing/2017/decorative" val="1"/>
+                  <adec:decorative xmlns:adec="http://schemas.microsoft.com/office/drawing/2017/decorative" val="1"/>
                 </a:ext>
               </a:extLst>
             </p:cNvPr>
@@ -12215,7 +12130,6 @@
                   </a:schemeClr>
                   <a:prstClr val="white"/>
                 </a:duotone>
-                <a:extLst/>
               </a:blip>
               <a:srcRect/>
               <a:tile tx="0" ty="0" sx="90000" sy="100000" flip="none" algn="ctr"/>
@@ -12277,7 +12191,7 @@
                   <a16:creationId xmlns:a16="http://schemas.microsoft.com/office/drawing/2014/main" id="{879775EF-026C-4E4A-873B-185915FB4FCF}"/>
                 </a:ext>
                 <a:ext uri="{C183D7F6-B498-43B3-948B-1728B52AA6E4}">
-                  <adec:decorative xmlns="" xmlns:adec="http://schemas.microsoft.com/office/drawing/2017/decorative" val="1"/>
+                  <adec:decorative xmlns:adec="http://schemas.microsoft.com/office/drawing/2017/decorative" val="1"/>
                 </a:ext>
               </a:extLst>
             </p:cNvPr>
@@ -12306,7 +12220,7 @@
                     <a16:creationId xmlns:a16="http://schemas.microsoft.com/office/drawing/2014/main" id="{400D0967-F02F-4275-8520-75D52A1DF662}"/>
                   </a:ext>
                   <a:ext uri="{C183D7F6-B498-43B3-948B-1728B52AA6E4}">
-                    <adec:decorative xmlns="" xmlns:adec="http://schemas.microsoft.com/office/drawing/2017/decorative" val="1"/>
+                    <adec:decorative xmlns:adec="http://schemas.microsoft.com/office/drawing/2017/decorative" val="1"/>
                   </a:ext>
                 </a:extLst>
               </p:cNvPr>
@@ -12416,7 +12330,7 @@
                     <a16:creationId xmlns:a16="http://schemas.microsoft.com/office/drawing/2014/main" id="{B4B16BA1-0F90-43DD-9D6C-6F196A15A30B}"/>
                   </a:ext>
                   <a:ext uri="{C183D7F6-B498-43B3-948B-1728B52AA6E4}">
-                    <adec:decorative xmlns="" xmlns:adec="http://schemas.microsoft.com/office/drawing/2017/decorative" val="1"/>
+                    <adec:decorative xmlns:adec="http://schemas.microsoft.com/office/drawing/2017/decorative" val="1"/>
                   </a:ext>
                 </a:extLst>
               </p:cNvPr>
@@ -12526,7 +12440,7 @@
                     <a16:creationId xmlns:a16="http://schemas.microsoft.com/office/drawing/2014/main" id="{7B652CBC-3D51-4C0E-8DDE-2C4A49B387D1}"/>
                   </a:ext>
                   <a:ext uri="{C183D7F6-B498-43B3-948B-1728B52AA6E4}">
-                    <adec:decorative xmlns="" xmlns:adec="http://schemas.microsoft.com/office/drawing/2017/decorative" val="1"/>
+                    <adec:decorative xmlns:adec="http://schemas.microsoft.com/office/drawing/2017/decorative" val="1"/>
                   </a:ext>
                 </a:extLst>
               </p:cNvPr>
@@ -12636,7 +12550,7 @@
                     <a16:creationId xmlns:a16="http://schemas.microsoft.com/office/drawing/2014/main" id="{3AFF0419-6554-4FDD-93AB-8A8C45FF5B0C}"/>
                   </a:ext>
                   <a:ext uri="{C183D7F6-B498-43B3-948B-1728B52AA6E4}">
-                    <adec:decorative xmlns="" xmlns:adec="http://schemas.microsoft.com/office/drawing/2017/decorative" val="1"/>
+                    <adec:decorative xmlns:adec="http://schemas.microsoft.com/office/drawing/2017/decorative" val="1"/>
                   </a:ext>
                 </a:extLst>
               </p:cNvPr>
@@ -12770,16 +12684,12 @@
           <a:p>
             <a:pPr rtl="0"/>
             <a:r>
-              <a:rPr lang="zh-TW" altLang="en-US" sz="3200" dirty="0" smtClean="0">
+              <a:rPr lang="zh-TW" altLang="en-US" sz="3200" dirty="0">
                 <a:latin typeface="Microsoft JhengHei UI" panose="020B0604030504040204" pitchFamily="34" charset="-120"/>
                 <a:ea typeface="Microsoft JhengHei UI" panose="020B0604030504040204" pitchFamily="34" charset="-120"/>
               </a:rPr>
               <a:t>第四個作業報告</a:t>
             </a:r>
-            <a:endParaRPr lang="zh-TW" altLang="en-US" sz="3200" dirty="0">
-              <a:latin typeface="Microsoft JhengHei UI" panose="020B0604030504040204" pitchFamily="34" charset="-120"/>
-              <a:ea typeface="Microsoft JhengHei UI" panose="020B0604030504040204" pitchFamily="34" charset="-120"/>
-            </a:endParaRPr>
           </a:p>
         </p:txBody>
       </p:sp>
@@ -12827,7 +12737,7 @@
                 <a16:creationId xmlns:a16="http://schemas.microsoft.com/office/drawing/2014/main" id="{5F310D7E-8F1E-4C2F-8824-E43E043DD851}"/>
               </a:ext>
               <a:ext uri="{C183D7F6-B498-43B3-948B-1728B52AA6E4}">
-                <adec:decorative xmlns="" xmlns:adec="http://schemas.microsoft.com/office/drawing/2017/decorative" val="1"/>
+                <adec:decorative xmlns:adec="http://schemas.microsoft.com/office/drawing/2017/decorative" val="1"/>
               </a:ext>
             </a:extLst>
           </p:cNvPr>
@@ -12884,7 +12794,7 @@
           <a:blip r:embed="rId6">
             <a:extLst>
               <a:ext uri="{96DAC541-7B7A-43D3-8B79-37D633B846F1}">
-                <asvg:svgBlip xmlns="" xmlns:asvg="http://schemas.microsoft.com/office/drawing/2016/SVG/main" r:embed="rId7"/>
+                <asvg:svgBlip xmlns:asvg="http://schemas.microsoft.com/office/drawing/2016/SVG/main" r:embed="rId7"/>
               </a:ext>
             </a:extLst>
           </a:blip>
@@ -12923,7 +12833,7 @@
                 <a14:useLocalDpi xmlns:a14="http://schemas.microsoft.com/office/drawing/2010/main"/>
               </a:ext>
               <a:ext uri="{96DAC541-7B7A-43D3-8B79-37D633B846F1}">
-                <asvg:svgBlip xmlns="" xmlns:asvg="http://schemas.microsoft.com/office/drawing/2016/SVG/main" r:embed="rId9"/>
+                <asvg:svgBlip xmlns:asvg="http://schemas.microsoft.com/office/drawing/2016/SVG/main" r:embed="rId9"/>
               </a:ext>
             </a:extLst>
           </a:blip>
@@ -12962,7 +12872,7 @@
                 <a14:useLocalDpi xmlns:a14="http://schemas.microsoft.com/office/drawing/2010/main"/>
               </a:ext>
               <a:ext uri="{96DAC541-7B7A-43D3-8B79-37D633B846F1}">
-                <asvg:svgBlip xmlns="" xmlns:asvg="http://schemas.microsoft.com/office/drawing/2016/SVG/main" r:embed="rId11"/>
+                <asvg:svgBlip xmlns:asvg="http://schemas.microsoft.com/office/drawing/2016/SVG/main" r:embed="rId11"/>
               </a:ext>
             </a:extLst>
           </a:blip>
@@ -12990,13 +12900,6 @@
   <p:clrMapOvr>
     <a:masterClrMapping/>
   </p:clrMapOvr>
-  <p:timing>
-    <p:tnLst>
-      <p:par>
-        <p:cTn id="1" dur="indefinite" restart="never" nodeType="tmRoot"/>
-      </p:par>
-    </p:tnLst>
-  </p:timing>
 </p:sld>
 </file>
 
@@ -13006,9 +12909,7 @@
     <p:bg>
       <p:bgPr>
         <a:blipFill>
-          <a:blip r:embed="rId3">
-            <a:extLst/>
-          </a:blip>
+          <a:blip r:embed="rId3"/>
           <a:stretch/>
         </a:blipFill>
         <a:effectLst/>
@@ -13036,7 +12937,7 @@
                 <a16:creationId xmlns:a16="http://schemas.microsoft.com/office/drawing/2014/main" id="{D5E3CF8B-6090-4FFC-B9BE-6FF60AEE4B71}"/>
               </a:ext>
               <a:ext uri="{C183D7F6-B498-43B3-948B-1728B52AA6E4}">
-                <adec:decorative xmlns="" xmlns:adec="http://schemas.microsoft.com/office/drawing/2017/decorative" val="1"/>
+                <adec:decorative xmlns:adec="http://schemas.microsoft.com/office/drawing/2017/decorative" val="1"/>
               </a:ext>
             </a:extLst>
           </p:cNvPr>
@@ -13081,7 +12982,7 @@
                 <a16:creationId xmlns:a16="http://schemas.microsoft.com/office/drawing/2014/main" id="{F444405B-FBD8-46A8-84D6-CE72780146FE}"/>
               </a:ext>
               <a:ext uri="{C183D7F6-B498-43B3-948B-1728B52AA6E4}">
-                <adec:decorative xmlns="" xmlns:adec="http://schemas.microsoft.com/office/drawing/2017/decorative" val="1"/>
+                <adec:decorative xmlns:adec="http://schemas.microsoft.com/office/drawing/2017/decorative" val="1"/>
               </a:ext>
             </a:extLst>
           </p:cNvPr>
@@ -13128,7 +13029,7 @@
                 <a16:creationId xmlns:a16="http://schemas.microsoft.com/office/drawing/2014/main" id="{221A9CB9-F531-48D3-A506-95FE2534D460}"/>
               </a:ext>
               <a:ext uri="{C183D7F6-B498-43B3-948B-1728B52AA6E4}">
-                <adec:decorative xmlns="" xmlns:adec="http://schemas.microsoft.com/office/drawing/2017/decorative" val="1"/>
+                <adec:decorative xmlns:adec="http://schemas.microsoft.com/office/drawing/2017/decorative" val="1"/>
               </a:ext>
             </a:extLst>
           </p:cNvPr>
@@ -13191,7 +13092,7 @@
                 <a16:creationId xmlns:a16="http://schemas.microsoft.com/office/drawing/2014/main" id="{8FD39BF5-DFD4-40A5-8009-2EA1391ABAD3}"/>
               </a:ext>
               <a:ext uri="{C183D7F6-B498-43B3-948B-1728B52AA6E4}">
-                <adec:decorative xmlns="" xmlns:adec="http://schemas.microsoft.com/office/drawing/2017/decorative" val="1"/>
+                <adec:decorative xmlns:adec="http://schemas.microsoft.com/office/drawing/2017/decorative" val="1"/>
               </a:ext>
             </a:extLst>
           </p:cNvPr>
@@ -13319,7 +13220,7 @@
                 <a16:creationId xmlns:a16="http://schemas.microsoft.com/office/drawing/2014/main" id="{3A0F723F-8F96-43F7-9D99-0D837624E1A8}"/>
               </a:ext>
               <a:ext uri="{C183D7F6-B498-43B3-948B-1728B52AA6E4}">
-                <adec:decorative xmlns="" xmlns:adec="http://schemas.microsoft.com/office/drawing/2017/decorative" val="1"/>
+                <adec:decorative xmlns:adec="http://schemas.microsoft.com/office/drawing/2017/decorative" val="1"/>
               </a:ext>
             </a:extLst>
           </p:cNvPr>
@@ -13350,7 +13251,7 @@
                   <a16:creationId xmlns:a16="http://schemas.microsoft.com/office/drawing/2014/main" id="{F1B4D856-F364-4DDD-BC91-4D024A825280}"/>
                 </a:ext>
                 <a:ext uri="{C183D7F6-B498-43B3-948B-1728B52AA6E4}">
-                  <adec:decorative xmlns="" xmlns:adec="http://schemas.microsoft.com/office/drawing/2017/decorative" val="1"/>
+                  <adec:decorative xmlns:adec="http://schemas.microsoft.com/office/drawing/2017/decorative" val="1"/>
                 </a:ext>
               </a:extLst>
             </p:cNvPr>
@@ -13379,7 +13280,7 @@
                     <a16:creationId xmlns:a16="http://schemas.microsoft.com/office/drawing/2014/main" id="{72F1CBC0-365A-4E91-A63B-B7599EDED5CD}"/>
                   </a:ext>
                   <a:ext uri="{C183D7F6-B498-43B3-948B-1728B52AA6E4}">
-                    <adec:decorative xmlns="" xmlns:adec="http://schemas.microsoft.com/office/drawing/2017/decorative" val="1"/>
+                    <adec:decorative xmlns:adec="http://schemas.microsoft.com/office/drawing/2017/decorative" val="1"/>
                   </a:ext>
                 </a:extLst>
               </p:cNvPr>
@@ -13447,7 +13348,7 @@
                     <a16:creationId xmlns:a16="http://schemas.microsoft.com/office/drawing/2014/main" id="{BE55A32E-C79F-4FD7-8BA4-7F3613D7BE96}"/>
                   </a:ext>
                   <a:ext uri="{C183D7F6-B498-43B3-948B-1728B52AA6E4}">
-                    <adec:decorative xmlns="" xmlns:adec="http://schemas.microsoft.com/office/drawing/2017/decorative" val="1"/>
+                    <adec:decorative xmlns:adec="http://schemas.microsoft.com/office/drawing/2017/decorative" val="1"/>
                   </a:ext>
                 </a:extLst>
               </p:cNvPr>
@@ -13558,7 +13459,7 @@
                   <a16:creationId xmlns:a16="http://schemas.microsoft.com/office/drawing/2014/main" id="{B22DCA41-FD40-45D5-A909-60754B580417}"/>
                 </a:ext>
                 <a:ext uri="{C183D7F6-B498-43B3-948B-1728B52AA6E4}">
-                  <adec:decorative xmlns="" xmlns:adec="http://schemas.microsoft.com/office/drawing/2017/decorative" val="1"/>
+                  <adec:decorative xmlns:adec="http://schemas.microsoft.com/office/drawing/2017/decorative" val="1"/>
                 </a:ext>
               </a:extLst>
             </p:cNvPr>
@@ -13587,7 +13488,7 @@
                     <a16:creationId xmlns:a16="http://schemas.microsoft.com/office/drawing/2014/main" id="{03F3D55A-B20B-496C-B8DC-9E0C593E92CA}"/>
                   </a:ext>
                   <a:ext uri="{C183D7F6-B498-43B3-948B-1728B52AA6E4}">
-                    <adec:decorative xmlns="" xmlns:adec="http://schemas.microsoft.com/office/drawing/2017/decorative" val="1"/>
+                    <adec:decorative xmlns:adec="http://schemas.microsoft.com/office/drawing/2017/decorative" val="1"/>
                   </a:ext>
                 </a:extLst>
               </p:cNvPr>
@@ -13655,7 +13556,7 @@
                     <a16:creationId xmlns:a16="http://schemas.microsoft.com/office/drawing/2014/main" id="{60221C8D-9A7A-4F34-AEE0-CF6BE6A4F098}"/>
                   </a:ext>
                   <a:ext uri="{C183D7F6-B498-43B3-948B-1728B52AA6E4}">
-                    <adec:decorative xmlns="" xmlns:adec="http://schemas.microsoft.com/office/drawing/2017/decorative" val="1"/>
+                    <adec:decorative xmlns:adec="http://schemas.microsoft.com/office/drawing/2017/decorative" val="1"/>
                   </a:ext>
                 </a:extLst>
               </p:cNvPr>
@@ -13766,7 +13667,7 @@
                   <a16:creationId xmlns:a16="http://schemas.microsoft.com/office/drawing/2014/main" id="{B7419ED5-1433-4FFB-A272-D18229B04943}"/>
                 </a:ext>
                 <a:ext uri="{C183D7F6-B498-43B3-948B-1728B52AA6E4}">
-                  <adec:decorative xmlns="" xmlns:adec="http://schemas.microsoft.com/office/drawing/2017/decorative" val="1"/>
+                  <adec:decorative xmlns:adec="http://schemas.microsoft.com/office/drawing/2017/decorative" val="1"/>
                 </a:ext>
               </a:extLst>
             </p:cNvPr>
@@ -13795,7 +13696,7 @@
                     <a16:creationId xmlns:a16="http://schemas.microsoft.com/office/drawing/2014/main" id="{8CBEE95B-136E-45DC-90DC-5E7C76EB4A84}"/>
                   </a:ext>
                   <a:ext uri="{C183D7F6-B498-43B3-948B-1728B52AA6E4}">
-                    <adec:decorative xmlns="" xmlns:adec="http://schemas.microsoft.com/office/drawing/2017/decorative" val="1"/>
+                    <adec:decorative xmlns:adec="http://schemas.microsoft.com/office/drawing/2017/decorative" val="1"/>
                   </a:ext>
                 </a:extLst>
               </p:cNvPr>
@@ -13863,7 +13764,7 @@
                     <a16:creationId xmlns:a16="http://schemas.microsoft.com/office/drawing/2014/main" id="{7A142A39-09DE-427E-98BE-AB81BBA21A5F}"/>
                   </a:ext>
                   <a:ext uri="{C183D7F6-B498-43B3-948B-1728B52AA6E4}">
-                    <adec:decorative xmlns="" xmlns:adec="http://schemas.microsoft.com/office/drawing/2017/decorative" val="1"/>
+                    <adec:decorative xmlns:adec="http://schemas.microsoft.com/office/drawing/2017/decorative" val="1"/>
                   </a:ext>
                 </a:extLst>
               </p:cNvPr>
@@ -13974,7 +13875,7 @@
                   <a16:creationId xmlns:a16="http://schemas.microsoft.com/office/drawing/2014/main" id="{C6260297-94CB-4B81-B325-16CE9D23D59A}"/>
                 </a:ext>
                 <a:ext uri="{C183D7F6-B498-43B3-948B-1728B52AA6E4}">
-                  <adec:decorative xmlns="" xmlns:adec="http://schemas.microsoft.com/office/drawing/2017/decorative" val="1"/>
+                  <adec:decorative xmlns:adec="http://schemas.microsoft.com/office/drawing/2017/decorative" val="1"/>
                 </a:ext>
               </a:extLst>
             </p:cNvPr>
@@ -14003,7 +13904,7 @@
                     <a16:creationId xmlns:a16="http://schemas.microsoft.com/office/drawing/2014/main" id="{2CFE29B2-BBC3-4B31-9C8A-D8378E5CE06D}"/>
                   </a:ext>
                   <a:ext uri="{C183D7F6-B498-43B3-948B-1728B52AA6E4}">
-                    <adec:decorative xmlns="" xmlns:adec="http://schemas.microsoft.com/office/drawing/2017/decorative" val="1"/>
+                    <adec:decorative xmlns:adec="http://schemas.microsoft.com/office/drawing/2017/decorative" val="1"/>
                   </a:ext>
                 </a:extLst>
               </p:cNvPr>
@@ -14071,7 +13972,7 @@
                     <a16:creationId xmlns:a16="http://schemas.microsoft.com/office/drawing/2014/main" id="{9A38BB73-EDDD-49D1-A06C-2B793E000ACA}"/>
                   </a:ext>
                   <a:ext uri="{C183D7F6-B498-43B3-948B-1728B52AA6E4}">
-                    <adec:decorative xmlns="" xmlns:adec="http://schemas.microsoft.com/office/drawing/2017/decorative" val="1"/>
+                    <adec:decorative xmlns:adec="http://schemas.microsoft.com/office/drawing/2017/decorative" val="1"/>
                   </a:ext>
                 </a:extLst>
               </p:cNvPr>
@@ -14251,7 +14152,7 @@
           <a:lstStyle/>
           <a:p>
             <a:r>
-              <a:rPr lang="en-US" altLang="zh-TW" sz="2100" dirty="0" smtClean="0">
+              <a:rPr lang="en-US" altLang="zh-TW" sz="2100" dirty="0">
                 <a:solidFill>
                   <a:schemeClr val="bg1"/>
                 </a:solidFill>
@@ -14278,7 +14179,7 @@
                 <a16:creationId xmlns:a16="http://schemas.microsoft.com/office/drawing/2014/main" id="{9135029A-5B59-4B80-8F56-B7BB132D670A}"/>
               </a:ext>
               <a:ext uri="{C183D7F6-B498-43B3-948B-1728B52AA6E4}">
-                <adec:decorative xmlns="" xmlns:adec="http://schemas.microsoft.com/office/drawing/2017/decorative" val="1"/>
+                <adec:decorative xmlns:adec="http://schemas.microsoft.com/office/drawing/2017/decorative" val="1"/>
               </a:ext>
             </a:extLst>
           </p:cNvPr>
@@ -14332,13 +14233,6 @@
   <p:clrMapOvr>
     <a:masterClrMapping/>
   </p:clrMapOvr>
-  <p:timing>
-    <p:tnLst>
-      <p:par>
-        <p:cTn id="1" dur="indefinite" restart="never" nodeType="tmRoot"/>
-      </p:par>
-    </p:tnLst>
-  </p:timing>
 </p:sld>
 </file>
 
@@ -14375,10 +14269,9 @@
           <a:lstStyle/>
           <a:p>
             <a:r>
-              <a:rPr lang="zh-TW" altLang="en-US" dirty="0" smtClean="0"/>
+              <a:rPr lang="zh-TW" altLang="en-US" dirty="0"/>
               <a:t>大綱</a:t>
             </a:r>
-            <a:endParaRPr lang="zh-TW" altLang="en-US" dirty="0"/>
           </a:p>
         </p:txBody>
       </p:sp>
@@ -14398,34 +14291,30 @@
           <a:lstStyle/>
           <a:p>
             <a:r>
-              <a:rPr lang="zh-TW" altLang="en-US" dirty="0" smtClean="0"/>
+              <a:rPr lang="zh-TW" altLang="en-US" dirty="0"/>
               <a:t>製作了三個小遊戲</a:t>
             </a:r>
-            <a:endParaRPr lang="en-US" altLang="zh-TW" dirty="0" smtClean="0"/>
+            <a:endParaRPr lang="en-US" altLang="zh-TW" dirty="0"/>
           </a:p>
           <a:p>
             <a:r>
               <a:rPr lang="zh-TW" altLang="en-US" dirty="0"/>
-              <a:t>時間來不及沒有加上</a:t>
+              <a:t>時間來不及沒有加上資料庫，例如：分數的紀錄</a:t>
             </a:r>
-            <a:r>
-              <a:rPr lang="zh-TW" altLang="en-US" dirty="0" smtClean="0"/>
-              <a:t>資料庫，例如：分數的紀錄</a:t>
-            </a:r>
-            <a:endParaRPr lang="en-US" altLang="zh-TW" dirty="0" smtClean="0"/>
+            <a:endParaRPr lang="en-US" altLang="zh-TW" dirty="0"/>
           </a:p>
           <a:p>
             <a:r>
               <a:rPr lang="zh-TW" altLang="en-US" dirty="0"/>
-              <a:t>此簡為小遊戲的遊玩說明</a:t>
+              <a:t>此簡報為小遊戲的遊玩說明</a:t>
             </a:r>
           </a:p>
           <a:p>
             <a:r>
-              <a:rPr lang="zh-TW" altLang="en-US" smtClean="0"/>
+              <a:rPr lang="zh-TW" altLang="en-US" dirty="0"/>
               <a:t>程式碼說明在檔案上註解</a:t>
             </a:r>
-            <a:endParaRPr lang="en-US" altLang="zh-TW" dirty="0" smtClean="0"/>
+            <a:endParaRPr lang="en-US" altLang="zh-TW" dirty="0"/>
           </a:p>
         </p:txBody>
       </p:sp>
@@ -14439,13 +14328,6 @@
   <p:clrMapOvr>
     <a:masterClrMapping/>
   </p:clrMapOvr>
-  <p:timing>
-    <p:tnLst>
-      <p:par>
-        <p:cTn id="1" dur="indefinite" restart="never" nodeType="tmRoot"/>
-      </p:par>
-    </p:tnLst>
-  </p:timing>
 </p:sld>
 </file>
 
@@ -14489,7 +14371,7 @@
                 <a16:creationId xmlns:a16="http://schemas.microsoft.com/office/drawing/2014/main" id="{C44B17FE-2E14-47B6-B5A8-4363DE76952D}"/>
               </a:ext>
               <a:ext uri="{C183D7F6-B498-43B3-948B-1728B52AA6E4}">
-                <adec:decorative xmlns="" xmlns:adec="http://schemas.microsoft.com/office/drawing/2017/decorative" val="1"/>
+                <adec:decorative xmlns:adec="http://schemas.microsoft.com/office/drawing/2017/decorative" val="1"/>
               </a:ext>
             </a:extLst>
           </p:cNvPr>
@@ -14552,7 +14434,7 @@
                 <a16:creationId xmlns:a16="http://schemas.microsoft.com/office/drawing/2014/main" id="{14E53280-E6EB-47D2-B0BB-78B772DC4B90}"/>
               </a:ext>
               <a:ext uri="{C183D7F6-B498-43B3-948B-1728B52AA6E4}">
-                <adec:decorative xmlns="" xmlns:adec="http://schemas.microsoft.com/office/drawing/2017/decorative" val="1"/>
+                <adec:decorative xmlns:adec="http://schemas.microsoft.com/office/drawing/2017/decorative" val="1"/>
               </a:ext>
             </a:extLst>
           </p:cNvPr>
@@ -14632,7 +14514,7 @@
                 <a16:creationId xmlns:a16="http://schemas.microsoft.com/office/drawing/2014/main" id="{E44C4738-31FA-4AA4-9D3A-9B0F0B1F5FBC}"/>
               </a:ext>
               <a:ext uri="{C183D7F6-B498-43B3-948B-1728B52AA6E4}">
-                <adec:decorative xmlns="" xmlns:adec="http://schemas.microsoft.com/office/drawing/2017/decorative" val="1"/>
+                <adec:decorative xmlns:adec="http://schemas.microsoft.com/office/drawing/2017/decorative" val="1"/>
               </a:ext>
             </a:extLst>
           </p:cNvPr>
@@ -14678,6 +14560,13 @@
             <a:schemeClr val="lt1"/>
           </a:fontRef>
         </p:style>
+        <p:txBody>
+          <a:bodyPr/>
+          <a:lstStyle/>
+          <a:p>
+            <a:endParaRPr lang="zh-TW" altLang="en-US"/>
+          </a:p>
+        </p:txBody>
       </p:sp>
       <p:sp>
         <p:nvSpPr>
@@ -14709,7 +14598,7 @@
           <a:p>
             <a:pPr rtl="0"/>
             <a:r>
-              <a:rPr lang="zh-TW" altLang="en-US" sz="3600" dirty="0" smtClean="0">
+              <a:rPr lang="zh-TW" altLang="en-US" sz="3600" dirty="0">
                 <a:solidFill>
                   <a:srgbClr val="FFFFFF"/>
                 </a:solidFill>
@@ -14718,13 +14607,6 @@
               </a:rPr>
               <a:t>遊戲介紹</a:t>
             </a:r>
-            <a:endParaRPr lang="zh-TW" altLang="en-US" sz="3600" dirty="0">
-              <a:solidFill>
-                <a:srgbClr val="FFFFFF"/>
-              </a:solidFill>
-              <a:latin typeface="Microsoft JhengHei UI" panose="020B0604030504040204" pitchFamily="34" charset="-120"/>
-              <a:ea typeface="Microsoft JhengHei UI" panose="020B0604030504040204" pitchFamily="34" charset="-120"/>
-            </a:endParaRPr>
           </a:p>
         </p:txBody>
       </p:sp>
@@ -14736,7 +14618,7 @@
                 <a16:creationId xmlns:a16="http://schemas.microsoft.com/office/drawing/2014/main" id="{809F3F69-CB9E-4C14-8F9B-7565980C8770}"/>
               </a:ext>
               <a:ext uri="{C183D7F6-B498-43B3-948B-1728B52AA6E4}">
-                <adec:decorative xmlns="" xmlns:adec="http://schemas.microsoft.com/office/drawing/2017/decorative" val="1"/>
+                <adec:decorative xmlns:adec="http://schemas.microsoft.com/office/drawing/2017/decorative" val="1"/>
               </a:ext>
             </a:extLst>
           </p:cNvPr>
@@ -14858,13 +14740,6 @@
   <p:clrMapOvr>
     <a:masterClrMapping/>
   </p:clrMapOvr>
-  <p:timing>
-    <p:tnLst>
-      <p:par>
-        <p:cTn id="1" dur="indefinite" restart="never" nodeType="tmRoot"/>
-      </p:par>
-    </p:tnLst>
-  </p:timing>
 </p:sld>
 </file>
 
@@ -14901,10 +14776,9 @@
           <a:lstStyle/>
           <a:p>
             <a:r>
-              <a:rPr lang="zh-TW" altLang="en-US" dirty="0" smtClean="0"/>
+              <a:rPr lang="zh-TW" altLang="en-US" dirty="0"/>
               <a:t>初始畫面</a:t>
             </a:r>
-            <a:endParaRPr lang="zh-TW" altLang="en-US" dirty="0"/>
           </a:p>
         </p:txBody>
       </p:sp>
@@ -14966,13 +14840,6 @@
   <p:clrMapOvr>
     <a:masterClrMapping/>
   </p:clrMapOvr>
-  <p:timing>
-    <p:tnLst>
-      <p:par>
-        <p:cTn id="1" dur="indefinite" restart="never" nodeType="tmRoot"/>
-      </p:par>
-    </p:tnLst>
-  </p:timing>
 </p:sld>
 </file>
 
@@ -15088,10 +14955,10 @@
           <a:p>
             <a:pPr algn="l"/>
             <a:r>
-              <a:rPr lang="zh-TW" altLang="en-US" dirty="0" smtClean="0"/>
+              <a:rPr lang="zh-TW" altLang="en-US" dirty="0"/>
               <a:t>參考樣式</a:t>
             </a:r>
-            <a:endParaRPr lang="en-US" altLang="zh-TW" dirty="0" smtClean="0"/>
+            <a:endParaRPr lang="en-US" altLang="zh-TW" dirty="0"/>
           </a:p>
           <a:p>
             <a:pPr algn="l"/>
@@ -15164,13 +15031,6 @@
   <p:clrMapOvr>
     <a:masterClrMapping/>
   </p:clrMapOvr>
-  <p:timing>
-    <p:tnLst>
-      <p:par>
-        <p:cTn id="1" dur="indefinite" restart="never" nodeType="tmRoot"/>
-      </p:par>
-    </p:tnLst>
-  </p:timing>
 </p:sld>
 </file>
 
@@ -15207,10 +15067,9 @@
           <a:lstStyle/>
           <a:p>
             <a:r>
-              <a:rPr lang="zh-TW" altLang="en-US" dirty="0" smtClean="0"/>
+              <a:rPr lang="zh-TW" altLang="en-US" dirty="0"/>
               <a:t>跳球遊戲</a:t>
             </a:r>
-            <a:endParaRPr lang="zh-TW" altLang="en-US" dirty="0"/>
           </a:p>
         </p:txBody>
       </p:sp>
@@ -15298,40 +15157,17 @@
               <a:buAutoNum type="arabicPeriod"/>
             </a:pPr>
             <a:r>
-              <a:rPr lang="zh-TW" altLang="en-US" dirty="0" smtClean="0"/>
+              <a:rPr lang="zh-TW" altLang="en-US" dirty="0"/>
               <a:t>請注意鍵盤輸入須是英文輸入，</a:t>
-            </a:r>
-            <a:r>
-              <a:rPr lang="en-US" altLang="zh-TW" dirty="0"/>
-              <a:t/>
             </a:r>
             <a:br>
               <a:rPr lang="en-US" altLang="zh-TW" dirty="0"/>
             </a:br>
             <a:r>
-              <a:rPr lang="zh-TW" altLang="en-US" dirty="0" smtClean="0"/>
-              <a:t>不然</a:t>
+              <a:rPr lang="zh-TW" altLang="en-US" dirty="0"/>
+              <a:t>不然會無法監聽鍵盤</a:t>
             </a:r>
-            <a:r>
-              <a:rPr lang="zh-TW" altLang="en-US" dirty="0"/>
-              <a:t>會無法監聽</a:t>
-            </a:r>
-            <a:r>
-              <a:rPr lang="zh-TW" altLang="en-US" dirty="0" smtClean="0"/>
-              <a:t>鍵盤</a:t>
-            </a:r>
-            <a:endParaRPr lang="en-US" altLang="zh-TW" dirty="0" smtClean="0"/>
-          </a:p>
-          <a:p>
-            <a:pPr marL="342900" indent="-342900" algn="l">
-              <a:buFont typeface="+mj-lt"/>
-              <a:buAutoNum type="arabicPeriod"/>
-            </a:pPr>
-            <a:r>
-              <a:rPr lang="zh-TW" altLang="en-US" dirty="0" smtClean="0"/>
-              <a:t>按下空白鍵圓球會跳起</a:t>
-            </a:r>
-            <a:endParaRPr lang="en-US" altLang="zh-TW" dirty="0" smtClean="0"/>
+            <a:endParaRPr lang="en-US" altLang="zh-TW" dirty="0"/>
           </a:p>
           <a:p>
             <a:pPr marL="342900" indent="-342900" algn="l">
@@ -15340,13 +15176,20 @@
             </a:pPr>
             <a:r>
               <a:rPr lang="zh-TW" altLang="en-US" dirty="0"/>
-              <a:t>方塊會自動</a:t>
+              <a:t>按下空白鍵圓球會跳起</a:t>
             </a:r>
+            <a:endParaRPr lang="en-US" altLang="zh-TW" dirty="0"/>
+          </a:p>
+          <a:p>
+            <a:pPr marL="342900" indent="-342900" algn="l">
+              <a:buFont typeface="+mj-lt"/>
+              <a:buAutoNum type="arabicPeriod"/>
+            </a:pPr>
             <a:r>
-              <a:rPr lang="zh-TW" altLang="en-US" dirty="0" smtClean="0"/>
-              <a:t>往前，在一定分數後會加速，有兩次加速</a:t>
+              <a:rPr lang="zh-TW" altLang="en-US" dirty="0"/>
+              <a:t>方塊會自動往前，在一定分數後會加速，有兩次加速</a:t>
             </a:r>
-            <a:endParaRPr lang="en-US" altLang="zh-TW" dirty="0" smtClean="0"/>
+            <a:endParaRPr lang="en-US" altLang="zh-TW" dirty="0"/>
           </a:p>
           <a:p>
             <a:pPr marL="342900" indent="-342900" algn="l">
@@ -15354,10 +15197,10 @@
               <a:buChar char="•"/>
             </a:pPr>
             <a:r>
-              <a:rPr lang="zh-TW" altLang="en-US" dirty="0" smtClean="0"/>
+              <a:rPr lang="zh-TW" altLang="en-US" dirty="0"/>
               <a:t>剛開始以為是執行續衝突所以重寫，後來好像是鍵盤跟滑鼠監聽會衝突，還未解決，所以是以按鍵空白鍵開始</a:t>
             </a:r>
-            <a:endParaRPr lang="en-US" altLang="zh-TW" dirty="0" smtClean="0"/>
+            <a:endParaRPr lang="en-US" altLang="zh-TW" dirty="0"/>
           </a:p>
         </p:txBody>
       </p:sp>
@@ -15371,13 +15214,6 @@
   <p:clrMapOvr>
     <a:masterClrMapping/>
   </p:clrMapOvr>
-  <p:timing>
-    <p:tnLst>
-      <p:par>
-        <p:cTn id="1" dur="indefinite" restart="never" nodeType="tmRoot"/>
-      </p:par>
-    </p:tnLst>
-  </p:timing>
 </p:sld>
 </file>
 
@@ -15414,10 +15250,9 @@
           <a:lstStyle/>
           <a:p>
             <a:r>
-              <a:rPr lang="zh-TW" altLang="en-US" dirty="0" smtClean="0"/>
+              <a:rPr lang="zh-TW" altLang="en-US" dirty="0"/>
               <a:t>猜猜數字</a:t>
             </a:r>
-            <a:endParaRPr lang="zh-TW" altLang="en-US" dirty="0"/>
           </a:p>
         </p:txBody>
       </p:sp>
@@ -15503,10 +15338,10 @@
               <a:buAutoNum type="arabicPeriod"/>
             </a:pPr>
             <a:r>
-              <a:rPr lang="zh-TW" altLang="en-US" dirty="0" smtClean="0"/>
+              <a:rPr lang="zh-TW" altLang="en-US" dirty="0"/>
               <a:t>是由電腦猜人所想的四位數字其中數字不重複</a:t>
             </a:r>
-            <a:endParaRPr lang="en-US" altLang="zh-TW" dirty="0" smtClean="0"/>
+            <a:endParaRPr lang="en-US" altLang="zh-TW" dirty="0"/>
           </a:p>
           <a:p>
             <a:pPr marL="342900" indent="-342900" algn="l">
@@ -15515,14 +15350,10 @@
             </a:pPr>
             <a:r>
               <a:rPr lang="zh-TW" altLang="en-US" dirty="0"/>
-              <a:t>如果數字與位置相同</a:t>
+              <a:t>如果數字與位置相同就是</a:t>
             </a:r>
             <a:r>
-              <a:rPr lang="zh-TW" altLang="en-US" dirty="0" smtClean="0"/>
-              <a:t>就是</a:t>
-            </a:r>
-            <a:r>
-              <a:rPr lang="en-US" altLang="zh-TW" dirty="0" smtClean="0"/>
+              <a:rPr lang="en-US" altLang="zh-TW" dirty="0"/>
               <a:t>A</a:t>
             </a:r>
           </a:p>
@@ -15533,14 +15364,10 @@
             </a:pPr>
             <a:r>
               <a:rPr lang="zh-TW" altLang="en-US" dirty="0"/>
-              <a:t>如果只有數字對位置錯</a:t>
+              <a:t>如果只有數字對位置錯就是</a:t>
             </a:r>
             <a:r>
-              <a:rPr lang="zh-TW" altLang="en-US" dirty="0" smtClean="0"/>
-              <a:t>就是</a:t>
-            </a:r>
-            <a:r>
-              <a:rPr lang="en-US" altLang="zh-TW" dirty="0" smtClean="0"/>
+              <a:rPr lang="en-US" altLang="zh-TW" dirty="0"/>
               <a:t>B</a:t>
             </a:r>
           </a:p>
@@ -15550,15 +15377,15 @@
               <a:buAutoNum type="arabicPeriod"/>
             </a:pPr>
             <a:r>
-              <a:rPr lang="en-US" altLang="zh-TW" dirty="0" smtClean="0"/>
+              <a:rPr lang="en-US" altLang="zh-TW" dirty="0"/>
               <a:t>C</a:t>
             </a:r>
             <a:r>
-              <a:rPr lang="zh-TW" altLang="en-US" dirty="0" smtClean="0"/>
+              <a:rPr lang="zh-TW" altLang="en-US" dirty="0"/>
               <a:t>的格子是假的沒又作用讓都錯可以填的</a:t>
             </a:r>
             <a:r>
-              <a:rPr lang="en-US" altLang="zh-TW" dirty="0" smtClean="0"/>
+              <a:rPr lang="en-US" altLang="zh-TW" dirty="0"/>
               <a:t>~~</a:t>
             </a:r>
             <a:endParaRPr lang="zh-TW" altLang="en-US" dirty="0"/>
@@ -15575,13 +15402,6 @@
   <p:clrMapOvr>
     <a:masterClrMapping/>
   </p:clrMapOvr>
-  <p:timing>
-    <p:tnLst>
-      <p:par>
-        <p:cTn id="1" dur="indefinite" restart="never" nodeType="tmRoot"/>
-      </p:par>
-    </p:tnLst>
-  </p:timing>
 </p:sld>
 </file>
 
@@ -15710,15 +15530,15 @@
           <a:p>
             <a:pPr algn="l"/>
             <a:r>
-              <a:rPr lang="zh-TW" altLang="en-US" dirty="0" smtClean="0"/>
+              <a:rPr lang="zh-TW" altLang="en-US" dirty="0"/>
               <a:t>參考樣式</a:t>
             </a:r>
-            <a:endParaRPr lang="en-US" altLang="zh-TW" dirty="0" smtClean="0"/>
+            <a:endParaRPr lang="en-US" altLang="zh-TW" dirty="0"/>
           </a:p>
           <a:p>
             <a:pPr algn="l"/>
             <a:r>
-              <a:rPr lang="en-US" altLang="zh-TW" dirty="0" smtClean="0"/>
+              <a:rPr lang="en-US" altLang="zh-TW" dirty="0"/>
               <a:t>《</a:t>
             </a:r>
             <a:r>
@@ -15726,16 +15546,12 @@
               <a:t>魔幻歷險</a:t>
             </a:r>
             <a:r>
-              <a:rPr lang="en-US" altLang="zh-TW" dirty="0" smtClean="0"/>
+              <a:rPr lang="en-US" altLang="zh-TW" dirty="0"/>
               <a:t>》</a:t>
             </a:r>
             <a:r>
-              <a:rPr lang="zh-TW" altLang="en-US" dirty="0" smtClean="0"/>
-              <a:t>是電影</a:t>
-            </a:r>
-            <a:r>
               <a:rPr lang="zh-TW" altLang="en-US" dirty="0"/>
-              <a:t>「一級玩家」裡主角的最後挑戰就是這款遊戲！</a:t>
+              <a:t>是電影「一級玩家」裡主角的最後挑戰就是這款遊戲！</a:t>
             </a:r>
             <a:br>
               <a:rPr lang="zh-TW" altLang="en-US" dirty="0"/>
@@ -15747,10 +15563,6 @@
             <a:r>
               <a:rPr lang="en-US" altLang="zh-TW" dirty="0"/>
               <a:t>Adventure</a:t>
-            </a:r>
-            <a:r>
-              <a:rPr lang="zh-TW" altLang="en-US" dirty="0"/>
-              <a:t/>
             </a:r>
             <a:br>
               <a:rPr lang="zh-TW" altLang="en-US" dirty="0"/>
@@ -15785,13 +15597,8 @@
             </a:r>
             <a:r>
               <a:rPr lang="zh-TW" altLang="en-US" dirty="0"/>
-              <a:t>在遊戲中設計了可觸發顯示其名字，這是最早廣為人知的遊戲彩蛋。玩家需要控制外表呈正方形的角色，探索由三十個區域組成的開放環境，找到藏在未知地點的魔法聖杯，並將其送回金色城堡</a:t>
+              <a:t>在遊戲中設計了可觸發顯示其名字，這是最早廣為人知的遊戲彩蛋。玩家需要控制外表呈正方形的角色，探索由三十個區域組成的開放環境，找到藏在未知地點的魔法聖杯，並將其送回金色城堡。</a:t>
             </a:r>
-            <a:r>
-              <a:rPr lang="zh-TW" altLang="en-US" dirty="0" smtClean="0"/>
-              <a:t>。</a:t>
-            </a:r>
-            <a:endParaRPr lang="zh-TW" altLang="en-US" dirty="0"/>
           </a:p>
         </p:txBody>
       </p:sp>
@@ -15805,13 +15612,6 @@
   <p:clrMapOvr>
     <a:masterClrMapping/>
   </p:clrMapOvr>
-  <p:timing>
-    <p:tnLst>
-      <p:par>
-        <p:cTn id="1" dur="indefinite" restart="never" nodeType="tmRoot"/>
-      </p:par>
-    </p:tnLst>
-  </p:timing>
 </p:sld>
 </file>
 
@@ -15936,10 +15736,10 @@
               <a:buAutoNum type="arabicPeriod"/>
             </a:pPr>
             <a:r>
-              <a:rPr lang="zh-TW" altLang="en-US" dirty="0" smtClean="0"/>
+              <a:rPr lang="zh-TW" altLang="en-US" dirty="0"/>
               <a:t>可以操控黑色方塊在在地圖中移動</a:t>
             </a:r>
-            <a:endParaRPr lang="en-US" altLang="zh-TW" dirty="0" smtClean="0"/>
+            <a:endParaRPr lang="en-US" altLang="zh-TW" dirty="0"/>
           </a:p>
           <a:p>
             <a:pPr marL="342900" indent="-342900" algn="l">
@@ -15948,13 +15748,9 @@
             </a:pPr>
             <a:r>
               <a:rPr lang="zh-TW" altLang="en-US" dirty="0"/>
-              <a:t>在地圖中有一個彩</a:t>
+              <a:t>在地圖中有一個彩蛋可以去尋找</a:t>
             </a:r>
-            <a:r>
-              <a:rPr lang="zh-TW" altLang="en-US" dirty="0" smtClean="0"/>
-              <a:t>蛋可以去尋找</a:t>
-            </a:r>
-            <a:endParaRPr lang="en-US" altLang="zh-TW" dirty="0" smtClean="0"/>
+            <a:endParaRPr lang="en-US" altLang="zh-TW" dirty="0"/>
           </a:p>
           <a:p>
             <a:pPr marL="342900" indent="-342900" algn="l">
@@ -15963,25 +15759,21 @@
             </a:pPr>
             <a:r>
               <a:rPr lang="zh-TW" altLang="en-US" dirty="0"/>
-              <a:t>可以在地圖中吃</a:t>
+              <a:t>可以在地圖中吃金幣，當吃到</a:t>
             </a:r>
             <a:r>
-              <a:rPr lang="zh-TW" altLang="en-US" dirty="0" smtClean="0"/>
-              <a:t>金幣，當吃到</a:t>
-            </a:r>
-            <a:r>
-              <a:rPr lang="en-US" altLang="zh-TW" dirty="0" smtClean="0"/>
+              <a:rPr lang="en-US" altLang="zh-TW" dirty="0"/>
               <a:t>10</a:t>
             </a:r>
             <a:r>
-              <a:rPr lang="zh-TW" altLang="en-US" dirty="0" smtClean="0"/>
+              <a:rPr lang="zh-TW" altLang="en-US" dirty="0"/>
               <a:t>個的時候會出現出口的提示</a:t>
             </a:r>
-            <a:endParaRPr lang="en-US" altLang="zh-TW" dirty="0" smtClean="0"/>
+            <a:endParaRPr lang="en-US" altLang="zh-TW" dirty="0"/>
           </a:p>
           <a:p>
             <a:pPr algn="l"/>
-            <a:endParaRPr lang="en-US" altLang="zh-TW" dirty="0" smtClean="0"/>
+            <a:endParaRPr lang="en-US" altLang="zh-TW" dirty="0"/>
           </a:p>
           <a:p>
             <a:pPr marL="342900" indent="-342900" algn="l">
@@ -16005,13 +15797,6 @@
   <p:clrMapOvr>
     <a:masterClrMapping/>
   </p:clrMapOvr>
-  <p:timing>
-    <p:tnLst>
-      <p:par>
-        <p:cTn id="1" dur="indefinite" restart="never" nodeType="tmRoot"/>
-      </p:par>
-    </p:tnLst>
-  </p:timing>
 </p:sld>
 </file>
 
@@ -16839,6 +16624,23 @@
 </file>
 
 <file path=customXml/item1.xml><?xml version="1.0" encoding="utf-8"?>
+<?mso-contentType ?>
+<FormTemplates xmlns="http://schemas.microsoft.com/sharepoint/v3/contenttype/forms">
+  <Display>DocumentLibraryForm</Display>
+  <Edit>DocumentLibraryForm</Edit>
+  <New>DocumentLibraryForm</New>
+</FormTemplates>
+</file>
+
+<file path=customXml/item2.xml><?xml version="1.0" encoding="utf-8"?>
+<p:properties xmlns:p="http://schemas.microsoft.com/office/2006/metadata/properties" xmlns:xsi="http://www.w3.org/2001/XMLSchema-instance" xmlns:pc="http://schemas.microsoft.com/office/infopath/2007/PartnerControls">
+  <documentManagement>
+    <MediaServiceKeyPoints xmlns="71af3243-3dd4-4a8d-8c0d-dd76da1f02a5" xsi:nil="true"/>
+  </documentManagement>
+</p:properties>
+</file>
+
+<file path=customXml/item3.xml><?xml version="1.0" encoding="utf-8"?>
 <ct:contentTypeSchema xmlns:ct="http://schemas.microsoft.com/office/2006/metadata/contentType" xmlns:ma="http://schemas.microsoft.com/office/2006/metadata/properties/metaAttributes" ct:_="" ma:_="" ma:contentTypeName="Document" ma:contentTypeID="0x01010079F111ED35F8CC479449609E8A0923A6" ma:contentTypeVersion="11" ma:contentTypeDescription="Create a new document." ma:contentTypeScope="" ma:versionID="1c2eb7a32e66fb6e4260f3771546a5e2">
   <xsd:schema xmlns:xsd="http://www.w3.org/2001/XMLSchema" xmlns:xs="http://www.w3.org/2001/XMLSchema" xmlns:p="http://schemas.microsoft.com/office/2006/metadata/properties" xmlns:ns2="71af3243-3dd4-4a8d-8c0d-dd76da1f02a5" xmlns:ns3="16c05727-aa75-4e4a-9b5f-8a80a1165891" targetNamespace="http://schemas.microsoft.com/office/2006/metadata/properties" ma:root="true" ma:fieldsID="04e1f6479c48b08974ba73b5ca973489" ns2:_="" ns3:_="">
     <xsd:import namespace="71af3243-3dd4-4a8d-8c0d-dd76da1f02a5"/>
@@ -17049,38 +16851,10 @@
 </ct:contentTypeSchema>
 </file>
 
-<file path=customXml/item2.xml><?xml version="1.0" encoding="utf-8"?>
-<p:properties xmlns:p="http://schemas.microsoft.com/office/2006/metadata/properties" xmlns:xsi="http://www.w3.org/2001/XMLSchema-instance" xmlns:pc="http://schemas.microsoft.com/office/infopath/2007/PartnerControls">
-  <documentManagement>
-    <MediaServiceKeyPoints xmlns="71af3243-3dd4-4a8d-8c0d-dd76da1f02a5" xsi:nil="true"/>
-  </documentManagement>
-</p:properties>
-</file>
-
-<file path=customXml/item3.xml><?xml version="1.0" encoding="utf-8"?>
-<?mso-contentType ?>
-<FormTemplates xmlns="http://schemas.microsoft.com/sharepoint/v3/contenttype/forms">
-  <Display>DocumentLibraryForm</Display>
-  <Edit>DocumentLibraryForm</Edit>
-  <New>DocumentLibraryForm</New>
-</FormTemplates>
-</file>
-
 <file path=customXml/itemProps1.xml><?xml version="1.0" encoding="utf-8"?>
-<ds:datastoreItem xmlns:ds="http://schemas.openxmlformats.org/officeDocument/2006/customXml" ds:itemID="{90FAB738-6A71-4879-AB42-7EC598736555}">
+<ds:datastoreItem xmlns:ds="http://schemas.openxmlformats.org/officeDocument/2006/customXml" ds:itemID="{7D8B4B55-3E7D-4147-BF36-B52F1DFC344E}">
   <ds:schemaRefs>
-    <ds:schemaRef ds:uri="http://schemas.microsoft.com/office/2006/metadata/contentType"/>
-    <ds:schemaRef ds:uri="http://schemas.microsoft.com/office/2006/metadata/properties/metaAttributes"/>
-    <ds:schemaRef ds:uri="http://www.w3.org/2001/XMLSchema"/>
-    <ds:schemaRef ds:uri="http://schemas.microsoft.com/office/2006/metadata/properties"/>
-    <ds:schemaRef ds:uri="71af3243-3dd4-4a8d-8c0d-dd76da1f02a5"/>
-    <ds:schemaRef ds:uri="16c05727-aa75-4e4a-9b5f-8a80a1165891"/>
-    <ds:schemaRef ds:uri="http://schemas.microsoft.com/office/2006/documentManagement/types"/>
-    <ds:schemaRef ds:uri="http://schemas.microsoft.com/office/infopath/2007/PartnerControls"/>
-    <ds:schemaRef ds:uri="http://schemas.openxmlformats.org/package/2006/metadata/core-properties"/>
-    <ds:schemaRef ds:uri="http://purl.org/dc/elements/1.1/"/>
-    <ds:schemaRef ds:uri="http://purl.org/dc/terms/"/>
-    <ds:schemaRef ds:uri="http://schemas.microsoft.com/internal/obd"/>
+    <ds:schemaRef ds:uri="http://schemas.microsoft.com/sharepoint/v3/contenttype/forms"/>
   </ds:schemaRefs>
 </ds:datastoreItem>
 </file>
@@ -17103,9 +16877,20 @@
 </file>
 
 <file path=customXml/itemProps3.xml><?xml version="1.0" encoding="utf-8"?>
-<ds:datastoreItem xmlns:ds="http://schemas.openxmlformats.org/officeDocument/2006/customXml" ds:itemID="{7D8B4B55-3E7D-4147-BF36-B52F1DFC344E}">
+<ds:datastoreItem xmlns:ds="http://schemas.openxmlformats.org/officeDocument/2006/customXml" ds:itemID="{90FAB738-6A71-4879-AB42-7EC598736555}">
   <ds:schemaRefs>
-    <ds:schemaRef ds:uri="http://schemas.microsoft.com/sharepoint/v3/contenttype/forms"/>
+    <ds:schemaRef ds:uri="http://schemas.microsoft.com/office/2006/metadata/contentType"/>
+    <ds:schemaRef ds:uri="http://schemas.microsoft.com/office/2006/metadata/properties/metaAttributes"/>
+    <ds:schemaRef ds:uri="http://www.w3.org/2001/XMLSchema"/>
+    <ds:schemaRef ds:uri="http://schemas.microsoft.com/office/2006/metadata/properties"/>
+    <ds:schemaRef ds:uri="71af3243-3dd4-4a8d-8c0d-dd76da1f02a5"/>
+    <ds:schemaRef ds:uri="16c05727-aa75-4e4a-9b5f-8a80a1165891"/>
+    <ds:schemaRef ds:uri="http://schemas.microsoft.com/office/2006/documentManagement/types"/>
+    <ds:schemaRef ds:uri="http://schemas.microsoft.com/office/infopath/2007/PartnerControls"/>
+    <ds:schemaRef ds:uri="http://schemas.openxmlformats.org/package/2006/metadata/core-properties"/>
+    <ds:schemaRef ds:uri="http://purl.org/dc/elements/1.1/"/>
+    <ds:schemaRef ds:uri="http://purl.org/dc/terms/"/>
+    <ds:schemaRef ds:uri="http://schemas.microsoft.com/internal/obd"/>
   </ds:schemaRefs>
 </ds:datastoreItem>
 </file>